--- a/units/7/lessons/1/resources/petascale-lesson-7.1-slides.pptx
+++ b/units/7/lessons/1/resources/petascale-lesson-7.1-slides.pptx
@@ -10,7 +10,7 @@
   </p:notesMasterIdLst>
   <p:sldIdLst>
     <p:sldId id="284" r:id="rId3"/>
-    <p:sldId id="285" r:id="rId4"/>
+    <p:sldId id="286" r:id="rId4"/>
     <p:sldId id="257" r:id="rId5"/>
     <p:sldId id="258" r:id="rId6"/>
     <p:sldId id="259" r:id="rId7"/>
@@ -11905,15 +11905,7 @@
                 <a:ea typeface="Times New Roman" charset="0"/>
                 <a:cs typeface="Times New Roman" charset="0"/>
               </a:rPr>
-              <a:t>Blue Waters Petascale</a:t>
-            </a:r>
-            <a:r>
-              <a:rPr lang="en-US" sz="2700" b="1" dirty="0">
-                <a:latin typeface="Times New Roman" charset="0"/>
-                <a:ea typeface="Times New Roman" charset="0"/>
-                <a:cs typeface="Times New Roman" charset="0"/>
-              </a:rPr>
-              <a:t> Semester Curriculum v1.0</a:t>
+              <a:t>Blue Waters Petascale Semester Curriculum v1.0</a:t>
             </a:r>
             <a:r>
               <a:rPr lang="en-US" sz="2700" dirty="0">
@@ -11936,15 +11928,7 @@
                 <a:ea typeface="Times New Roman" charset="0"/>
                 <a:cs typeface="Times New Roman" charset="0"/>
               </a:rPr>
-              <a:t>Unit </a:t>
-            </a:r>
-            <a:r>
-              <a:rPr lang="en-US" sz="2700" b="1" dirty="0">
-                <a:latin typeface="Times New Roman" charset="0"/>
-                <a:ea typeface="Times New Roman" charset="0"/>
-                <a:cs typeface="Times New Roman" charset="0"/>
-              </a:rPr>
-              <a:t>7</a:t>
+              <a:t>Unit 7</a:t>
             </a:r>
             <a:r>
               <a:rPr lang="en-US" sz="2700" b="1" dirty="0" smtClean="0">
@@ -16193,7 +16177,7 @@
         </p:nvSpPr>
         <p:spPr>
           <a:xfrm>
-            <a:off x="566059" y="0"/>
+            <a:off x="566057" y="0"/>
             <a:ext cx="8011886" cy="5143500"/>
           </a:xfrm>
         </p:spPr>
@@ -16240,7 +16224,23 @@
                 <a:ea typeface="Times New Roman" charset="0"/>
                 <a:cs typeface="Times New Roman" charset="0"/>
               </a:rPr>
-              <a:t>CC BY-NC 4.0. To view a copy of this license, visit </a:t>
+              <a:t>CC </a:t>
+            </a:r>
+            <a:r>
+              <a:rPr lang="en-US" sz="2100" dirty="0" smtClean="0">
+                <a:latin typeface="Times New Roman" charset="0"/>
+                <a:ea typeface="Times New Roman" charset="0"/>
+                <a:cs typeface="Times New Roman" charset="0"/>
+              </a:rPr>
+              <a:t>BY-SA </a:t>
+            </a:r>
+            <a:r>
+              <a:rPr lang="en-US" sz="2100" dirty="0">
+                <a:latin typeface="Times New Roman" charset="0"/>
+                <a:ea typeface="Times New Roman" charset="0"/>
+                <a:cs typeface="Times New Roman" charset="0"/>
+              </a:rPr>
+              <a:t>4.0. To view a copy of this license, visit </a:t>
             </a:r>
             <a:r>
               <a:rPr lang="en-US" sz="2100" dirty="0">
@@ -16249,7 +16249,16 @@
                 <a:cs typeface="Times New Roman" charset="0"/>
                 <a:hlinkClick r:id="rId2"/>
               </a:rPr>
-              <a:t>https://creativecommons.org/licenses/by-nc/4.0</a:t>
+              <a:t>https://</a:t>
+            </a:r>
+            <a:r>
+              <a:rPr lang="en-US" sz="2100" dirty="0" smtClean="0">
+                <a:latin typeface="Times New Roman" charset="0"/>
+                <a:ea typeface="Times New Roman" charset="0"/>
+                <a:cs typeface="Times New Roman" charset="0"/>
+                <a:hlinkClick r:id="rId2"/>
+              </a:rPr>
+              <a:t>creativecommons.org/licenses/by-sa/4.0</a:t>
             </a:r>
             <a:r>
               <a:rPr lang="en-US" sz="2100" dirty="0">
@@ -16403,20 +16412,13 @@
     </p:spTree>
     <p:extLst>
       <p:ext uri="{BB962C8B-B14F-4D97-AF65-F5344CB8AC3E}">
-        <p14:creationId xmlns:p14="http://schemas.microsoft.com/office/powerpoint/2010/main" val="927023696"/>
+        <p14:creationId xmlns:p14="http://schemas.microsoft.com/office/powerpoint/2010/main" val="696695273"/>
       </p:ext>
     </p:extLst>
   </p:cSld>
   <p:clrMapOvr>
     <a:masterClrMapping/>
   </p:clrMapOvr>
-  <p:timing>
-    <p:tnLst>
-      <p:par>
-        <p:cTn id="1" dur="indefinite" restart="never" nodeType="tmRoot"/>
-      </p:par>
-    </p:tnLst>
-  </p:timing>
 </p:sld>
 </file>
 

--- a/units/7/lessons/1/resources/petascale-lesson-7.1-slides.pptx
+++ b/units/7/lessons/1/resources/petascale-lesson-7.1-slides.pptx
@@ -285,6 +285,403 @@
     </p:ext>
   </p:extLst>
 </p:presentation>
+</file>
+
+<file path=ppt/revisionInfo.xml><?xml version="1.0" encoding="utf-8"?>
+<p1510:revInfo xmlns:a="http://schemas.openxmlformats.org/drawingml/2006/main" xmlns:r="http://schemas.openxmlformats.org/officeDocument/2006/relationships" xmlns:p1510="http://schemas.microsoft.com/office/powerpoint/2015/10/main">
+  <p1510:revLst>
+    <p1510:client id="{DF340445-32E5-438B-8B34-A31D2522BF5F}" v="35" dt="2020-12-07T15:40:48.504"/>
+  </p1510:revLst>
+</p1510:revInfo>
+</file>
+
+<file path=ppt/changesInfos/changesInfo1.xml><?xml version="1.0" encoding="utf-8"?>
+<pc:chgInfo xmlns:a="http://schemas.openxmlformats.org/drawingml/2006/main" xmlns:r="http://schemas.openxmlformats.org/officeDocument/2006/relationships" xmlns:ac="http://schemas.microsoft.com/office/drawing/2013/main/command" xmlns:pc="http://schemas.microsoft.com/office/powerpoint/2013/main/command">
+  <pc:docChgLst>
+    <pc:chgData name="Magik Home" userId="68ebee5321e2cff8" providerId="LiveId" clId="{DF340445-32E5-438B-8B34-A31D2522BF5F}"/>
+    <pc:docChg chg="undo redo custSel modSld">
+      <pc:chgData name="Magik Home" userId="68ebee5321e2cff8" providerId="LiveId" clId="{DF340445-32E5-438B-8B34-A31D2522BF5F}" dt="2020-12-07T15:40:48.504" v="210"/>
+      <pc:docMkLst>
+        <pc:docMk/>
+      </pc:docMkLst>
+      <pc:sldChg chg="addSp delSp modSp mod">
+        <pc:chgData name="Magik Home" userId="68ebee5321e2cff8" providerId="LiveId" clId="{DF340445-32E5-438B-8B34-A31D2522BF5F}" dt="2020-12-07T15:05:30.328" v="81" actId="1076"/>
+        <pc:sldMkLst>
+          <pc:docMk/>
+          <pc:sldMk cId="0" sldId="258"/>
+        </pc:sldMkLst>
+        <pc:spChg chg="add del mod">
+          <ac:chgData name="Magik Home" userId="68ebee5321e2cff8" providerId="LiveId" clId="{DF340445-32E5-438B-8B34-A31D2522BF5F}" dt="2020-12-07T15:04:23.743" v="6" actId="22"/>
+          <ac:spMkLst>
+            <pc:docMk/>
+            <pc:sldMk cId="0" sldId="258"/>
+            <ac:spMk id="8" creationId="{FDF4C2D4-5B72-4797-AEA0-38BE6F6F0F30}"/>
+          </ac:spMkLst>
+        </pc:spChg>
+        <pc:spChg chg="mod">
+          <ac:chgData name="Magik Home" userId="68ebee5321e2cff8" providerId="LiveId" clId="{DF340445-32E5-438B-8B34-A31D2522BF5F}" dt="2020-12-07T15:05:30.328" v="81" actId="1076"/>
+          <ac:spMkLst>
+            <pc:docMk/>
+            <pc:sldMk cId="0" sldId="258"/>
+            <ac:spMk id="72" creationId="{00000000-0000-0000-0000-000000000000}"/>
+          </ac:spMkLst>
+        </pc:spChg>
+        <pc:picChg chg="add mod">
+          <ac:chgData name="Magik Home" userId="68ebee5321e2cff8" providerId="LiveId" clId="{DF340445-32E5-438B-8B34-A31D2522BF5F}" dt="2020-12-07T15:04:34.725" v="12" actId="962"/>
+          <ac:picMkLst>
+            <pc:docMk/>
+            <pc:sldMk cId="0" sldId="258"/>
+            <ac:picMk id="4" creationId="{49ADE592-9DBE-4A6F-88E3-64D2073729DC}"/>
+          </ac:picMkLst>
+        </pc:picChg>
+        <pc:picChg chg="add del">
+          <ac:chgData name="Magik Home" userId="68ebee5321e2cff8" providerId="LiveId" clId="{DF340445-32E5-438B-8B34-A31D2522BF5F}" dt="2020-12-07T15:04:30.033" v="8" actId="478"/>
+          <ac:picMkLst>
+            <pc:docMk/>
+            <pc:sldMk cId="0" sldId="258"/>
+            <ac:picMk id="71" creationId="{00000000-0000-0000-0000-000000000000}"/>
+          </ac:picMkLst>
+        </pc:picChg>
+      </pc:sldChg>
+      <pc:sldChg chg="addSp delSp modSp mod">
+        <pc:chgData name="Magik Home" userId="68ebee5321e2cff8" providerId="LiveId" clId="{DF340445-32E5-438B-8B34-A31D2522BF5F}" dt="2020-12-07T15:14:44.291" v="108"/>
+        <pc:sldMkLst>
+          <pc:docMk/>
+          <pc:sldMk cId="0" sldId="259"/>
+        </pc:sldMkLst>
+        <pc:spChg chg="add del">
+          <ac:chgData name="Magik Home" userId="68ebee5321e2cff8" providerId="LiveId" clId="{DF340445-32E5-438B-8B34-A31D2522BF5F}" dt="2020-12-07T15:13:22.973" v="92" actId="22"/>
+          <ac:spMkLst>
+            <pc:docMk/>
+            <pc:sldMk cId="0" sldId="259"/>
+            <ac:spMk id="8" creationId="{AE2D796E-44E5-4B11-803B-18DB9CA88BE1}"/>
+          </ac:spMkLst>
+        </pc:spChg>
+        <pc:spChg chg="mod">
+          <ac:chgData name="Magik Home" userId="68ebee5321e2cff8" providerId="LiveId" clId="{DF340445-32E5-438B-8B34-A31D2522BF5F}" dt="2020-12-07T15:14:15.668" v="104" actId="20577"/>
+          <ac:spMkLst>
+            <pc:docMk/>
+            <pc:sldMk cId="0" sldId="259"/>
+            <ac:spMk id="81" creationId="{00000000-0000-0000-0000-000000000000}"/>
+          </ac:spMkLst>
+        </pc:spChg>
+        <pc:graphicFrameChg chg="add del mod">
+          <ac:chgData name="Magik Home" userId="68ebee5321e2cff8" providerId="LiveId" clId="{DF340445-32E5-438B-8B34-A31D2522BF5F}" dt="2020-12-07T15:14:40.497" v="106"/>
+          <ac:graphicFrameMkLst>
+            <pc:docMk/>
+            <pc:sldMk cId="0" sldId="259"/>
+            <ac:graphicFrameMk id="3" creationId="{1A32870D-A4F9-45CB-8002-8BCB161F6820}"/>
+          </ac:graphicFrameMkLst>
+        </pc:graphicFrameChg>
+        <pc:graphicFrameChg chg="add del mod">
+          <ac:chgData name="Magik Home" userId="68ebee5321e2cff8" providerId="LiveId" clId="{DF340445-32E5-438B-8B34-A31D2522BF5F}" dt="2020-12-07T15:14:44.291" v="108"/>
+          <ac:graphicFrameMkLst>
+            <pc:docMk/>
+            <pc:sldMk cId="0" sldId="259"/>
+            <ac:graphicFrameMk id="4" creationId="{14764F35-5DCA-4A0B-BD6F-33CA2AD7EF30}"/>
+          </ac:graphicFrameMkLst>
+        </pc:graphicFrameChg>
+      </pc:sldChg>
+      <pc:sldChg chg="modSp mod">
+        <pc:chgData name="Magik Home" userId="68ebee5321e2cff8" providerId="LiveId" clId="{DF340445-32E5-438B-8B34-A31D2522BF5F}" dt="2020-12-07T15:32:07.275" v="127"/>
+        <pc:sldMkLst>
+          <pc:docMk/>
+          <pc:sldMk cId="0" sldId="260"/>
+        </pc:sldMkLst>
+        <pc:spChg chg="mod">
+          <ac:chgData name="Magik Home" userId="68ebee5321e2cff8" providerId="LiveId" clId="{DF340445-32E5-438B-8B34-A31D2522BF5F}" dt="2020-12-07T15:32:07.275" v="127"/>
+          <ac:spMkLst>
+            <pc:docMk/>
+            <pc:sldMk cId="0" sldId="260"/>
+            <ac:spMk id="90" creationId="{00000000-0000-0000-0000-000000000000}"/>
+          </ac:spMkLst>
+        </pc:spChg>
+      </pc:sldChg>
+      <pc:sldChg chg="delSp mod">
+        <pc:chgData name="Magik Home" userId="68ebee5321e2cff8" providerId="LiveId" clId="{DF340445-32E5-438B-8B34-A31D2522BF5F}" dt="2020-12-07T15:23:07.587" v="110" actId="478"/>
+        <pc:sldMkLst>
+          <pc:docMk/>
+          <pc:sldMk cId="0" sldId="264"/>
+        </pc:sldMkLst>
+        <pc:spChg chg="del">
+          <ac:chgData name="Magik Home" userId="68ebee5321e2cff8" providerId="LiveId" clId="{DF340445-32E5-438B-8B34-A31D2522BF5F}" dt="2020-12-07T15:23:07.587" v="110" actId="478"/>
+          <ac:spMkLst>
+            <pc:docMk/>
+            <pc:sldMk cId="0" sldId="264"/>
+            <ac:spMk id="182" creationId="{00000000-0000-0000-0000-000000000000}"/>
+          </ac:spMkLst>
+        </pc:spChg>
+        <pc:picChg chg="del">
+          <ac:chgData name="Magik Home" userId="68ebee5321e2cff8" providerId="LiveId" clId="{DF340445-32E5-438B-8B34-A31D2522BF5F}" dt="2020-12-07T15:23:05.877" v="109" actId="478"/>
+          <ac:picMkLst>
+            <pc:docMk/>
+            <pc:sldMk cId="0" sldId="264"/>
+            <ac:picMk id="181" creationId="{00000000-0000-0000-0000-000000000000}"/>
+          </ac:picMkLst>
+        </pc:picChg>
+      </pc:sldChg>
+      <pc:sldChg chg="addSp delSp modSp mod">
+        <pc:chgData name="Magik Home" userId="68ebee5321e2cff8" providerId="LiveId" clId="{DF340445-32E5-438B-8B34-A31D2522BF5F}" dt="2020-12-07T15:35:49.392" v="181" actId="1076"/>
+        <pc:sldMkLst>
+          <pc:docMk/>
+          <pc:sldMk cId="0" sldId="275"/>
+        </pc:sldMkLst>
+        <pc:spChg chg="add del mod">
+          <ac:chgData name="Magik Home" userId="68ebee5321e2cff8" providerId="LiveId" clId="{DF340445-32E5-438B-8B34-A31D2522BF5F}" dt="2020-12-07T15:35:38.793" v="178"/>
+          <ac:spMkLst>
+            <pc:docMk/>
+            <pc:sldMk cId="0" sldId="275"/>
+            <ac:spMk id="9" creationId="{FC4FC314-39F9-449E-8084-8BFAC8C42333}"/>
+          </ac:spMkLst>
+        </pc:spChg>
+        <pc:spChg chg="add mod">
+          <ac:chgData name="Magik Home" userId="68ebee5321e2cff8" providerId="LiveId" clId="{DF340445-32E5-438B-8B34-A31D2522BF5F}" dt="2020-12-07T15:35:49.392" v="181" actId="1076"/>
+          <ac:spMkLst>
+            <pc:docMk/>
+            <pc:sldMk cId="0" sldId="275"/>
+            <ac:spMk id="11" creationId="{6B8A994A-B274-47DE-954D-0B4647ABC945}"/>
+          </ac:spMkLst>
+        </pc:spChg>
+        <pc:spChg chg="del mod">
+          <ac:chgData name="Magik Home" userId="68ebee5321e2cff8" providerId="LiveId" clId="{DF340445-32E5-438B-8B34-A31D2522BF5F}" dt="2020-12-07T15:35:44.558" v="179" actId="478"/>
+          <ac:spMkLst>
+            <pc:docMk/>
+            <pc:sldMk cId="0" sldId="275"/>
+            <ac:spMk id="272" creationId="{00000000-0000-0000-0000-000000000000}"/>
+          </ac:spMkLst>
+        </pc:spChg>
+        <pc:picChg chg="add del mod">
+          <ac:chgData name="Magik Home" userId="68ebee5321e2cff8" providerId="LiveId" clId="{DF340445-32E5-438B-8B34-A31D2522BF5F}" dt="2020-12-07T15:35:44.558" v="179" actId="478"/>
+          <ac:picMkLst>
+            <pc:docMk/>
+            <pc:sldMk cId="0" sldId="275"/>
+            <ac:picMk id="3" creationId="{7F5F3BA5-D2F1-4D60-BA2B-960CD1B90092}"/>
+          </ac:picMkLst>
+        </pc:picChg>
+        <pc:picChg chg="add del mod">
+          <ac:chgData name="Magik Home" userId="68ebee5321e2cff8" providerId="LiveId" clId="{DF340445-32E5-438B-8B34-A31D2522BF5F}" dt="2020-12-07T15:35:38.793" v="178"/>
+          <ac:picMkLst>
+            <pc:docMk/>
+            <pc:sldMk cId="0" sldId="275"/>
+            <ac:picMk id="10" creationId="{D8E514C5-C770-4CEF-9E84-1B21CEB83CD6}"/>
+          </ac:picMkLst>
+        </pc:picChg>
+        <pc:picChg chg="add mod">
+          <ac:chgData name="Magik Home" userId="68ebee5321e2cff8" providerId="LiveId" clId="{DF340445-32E5-438B-8B34-A31D2522BF5F}" dt="2020-12-07T15:35:49.392" v="181" actId="1076"/>
+          <ac:picMkLst>
+            <pc:docMk/>
+            <pc:sldMk cId="0" sldId="275"/>
+            <ac:picMk id="12" creationId="{95CD1B46-4EB0-473B-ADE5-E1A3D11B7886}"/>
+          </ac:picMkLst>
+        </pc:picChg>
+        <pc:picChg chg="add del">
+          <ac:chgData name="Magik Home" userId="68ebee5321e2cff8" providerId="LiveId" clId="{DF340445-32E5-438B-8B34-A31D2522BF5F}" dt="2020-12-07T15:31:34.274" v="119" actId="478"/>
+          <ac:picMkLst>
+            <pc:docMk/>
+            <pc:sldMk cId="0" sldId="275"/>
+            <ac:picMk id="271" creationId="{00000000-0000-0000-0000-000000000000}"/>
+          </ac:picMkLst>
+        </pc:picChg>
+      </pc:sldChg>
+      <pc:sldChg chg="addSp delSp modSp mod">
+        <pc:chgData name="Magik Home" userId="68ebee5321e2cff8" providerId="LiveId" clId="{DF340445-32E5-438B-8B34-A31D2522BF5F}" dt="2020-12-07T15:37:53.148" v="189" actId="167"/>
+        <pc:sldMkLst>
+          <pc:docMk/>
+          <pc:sldMk cId="0" sldId="276"/>
+        </pc:sldMkLst>
+        <pc:spChg chg="add del mod">
+          <ac:chgData name="Magik Home" userId="68ebee5321e2cff8" providerId="LiveId" clId="{DF340445-32E5-438B-8B34-A31D2522BF5F}" dt="2020-12-07T15:35:11.962" v="132"/>
+          <ac:spMkLst>
+            <pc:docMk/>
+            <pc:sldMk cId="0" sldId="276"/>
+            <ac:spMk id="8" creationId="{18138176-7197-479F-8663-F07F8DF8147C}"/>
+          </ac:spMkLst>
+        </pc:spChg>
+        <pc:spChg chg="add del mod">
+          <ac:chgData name="Magik Home" userId="68ebee5321e2cff8" providerId="LiveId" clId="{DF340445-32E5-438B-8B34-A31D2522BF5F}" dt="2020-12-07T15:35:14.691" v="135"/>
+          <ac:spMkLst>
+            <pc:docMk/>
+            <pc:sldMk cId="0" sldId="276"/>
+            <ac:spMk id="10" creationId="{C31D2319-AD7B-42FD-933A-E1773828E111}"/>
+          </ac:spMkLst>
+        </pc:spChg>
+        <pc:spChg chg="add del mod">
+          <ac:chgData name="Magik Home" userId="68ebee5321e2cff8" providerId="LiveId" clId="{DF340445-32E5-438B-8B34-A31D2522BF5F}" dt="2020-12-07T15:35:58.742" v="183" actId="478"/>
+          <ac:spMkLst>
+            <pc:docMk/>
+            <pc:sldMk cId="0" sldId="276"/>
+            <ac:spMk id="12" creationId="{13E2FC99-9DFC-46C3-9E2A-ABC81472530A}"/>
+          </ac:spMkLst>
+        </pc:spChg>
+        <pc:spChg chg="add mod ord">
+          <ac:chgData name="Magik Home" userId="68ebee5321e2cff8" providerId="LiveId" clId="{DF340445-32E5-438B-8B34-A31D2522BF5F}" dt="2020-12-07T15:37:53.148" v="189" actId="167"/>
+          <ac:spMkLst>
+            <pc:docMk/>
+            <pc:sldMk cId="0" sldId="276"/>
+            <ac:spMk id="14" creationId="{2197C20F-1B26-4259-9E08-0AAD3F67AEBD}"/>
+          </ac:spMkLst>
+        </pc:spChg>
+        <pc:spChg chg="add del">
+          <ac:chgData name="Magik Home" userId="68ebee5321e2cff8" providerId="LiveId" clId="{DF340445-32E5-438B-8B34-A31D2522BF5F}" dt="2020-12-07T15:36:01.661" v="185" actId="478"/>
+          <ac:spMkLst>
+            <pc:docMk/>
+            <pc:sldMk cId="0" sldId="276"/>
+            <ac:spMk id="281" creationId="{00000000-0000-0000-0000-000000000000}"/>
+          </ac:spMkLst>
+        </pc:spChg>
+        <pc:picChg chg="add del mod">
+          <ac:chgData name="Magik Home" userId="68ebee5321e2cff8" providerId="LiveId" clId="{DF340445-32E5-438B-8B34-A31D2522BF5F}" dt="2020-12-07T15:35:11.962" v="132"/>
+          <ac:picMkLst>
+            <pc:docMk/>
+            <pc:sldMk cId="0" sldId="276"/>
+            <ac:picMk id="9" creationId="{48990C2F-1654-45E9-A492-5850C392BEDC}"/>
+          </ac:picMkLst>
+        </pc:picChg>
+        <pc:picChg chg="add del mod">
+          <ac:chgData name="Magik Home" userId="68ebee5321e2cff8" providerId="LiveId" clId="{DF340445-32E5-438B-8B34-A31D2522BF5F}" dt="2020-12-07T15:35:14.691" v="135"/>
+          <ac:picMkLst>
+            <pc:docMk/>
+            <pc:sldMk cId="0" sldId="276"/>
+            <ac:picMk id="11" creationId="{5092A734-5E9A-4886-AF07-CD45280F4E97}"/>
+          </ac:picMkLst>
+        </pc:picChg>
+        <pc:picChg chg="add del mod">
+          <ac:chgData name="Magik Home" userId="68ebee5321e2cff8" providerId="LiveId" clId="{DF340445-32E5-438B-8B34-A31D2522BF5F}" dt="2020-12-07T15:35:58.742" v="183" actId="478"/>
+          <ac:picMkLst>
+            <pc:docMk/>
+            <pc:sldMk cId="0" sldId="276"/>
+            <ac:picMk id="13" creationId="{A24A68A0-2C81-4EC6-BB49-4EB58332B0C8}"/>
+          </ac:picMkLst>
+        </pc:picChg>
+        <pc:picChg chg="add mod ord">
+          <ac:chgData name="Magik Home" userId="68ebee5321e2cff8" providerId="LiveId" clId="{DF340445-32E5-438B-8B34-A31D2522BF5F}" dt="2020-12-07T15:36:45.518" v="188" actId="167"/>
+          <ac:picMkLst>
+            <pc:docMk/>
+            <pc:sldMk cId="0" sldId="276"/>
+            <ac:picMk id="15" creationId="{1330636C-D194-44EA-83B4-52409FE0928D}"/>
+          </ac:picMkLst>
+        </pc:picChg>
+        <pc:picChg chg="add del">
+          <ac:chgData name="Magik Home" userId="68ebee5321e2cff8" providerId="LiveId" clId="{DF340445-32E5-438B-8B34-A31D2522BF5F}" dt="2020-12-07T15:36:00.115" v="184" actId="478"/>
+          <ac:picMkLst>
+            <pc:docMk/>
+            <pc:sldMk cId="0" sldId="276"/>
+            <ac:picMk id="280" creationId="{00000000-0000-0000-0000-000000000000}"/>
+          </ac:picMkLst>
+        </pc:picChg>
+      </pc:sldChg>
+      <pc:sldChg chg="addSp delSp modSp mod">
+        <pc:chgData name="Magik Home" userId="68ebee5321e2cff8" providerId="LiveId" clId="{DF340445-32E5-438B-8B34-A31D2522BF5F}" dt="2020-12-07T15:39:19.386" v="204" actId="1076"/>
+        <pc:sldMkLst>
+          <pc:docMk/>
+          <pc:sldMk cId="0" sldId="278"/>
+        </pc:sldMkLst>
+        <pc:spChg chg="add mod">
+          <ac:chgData name="Magik Home" userId="68ebee5321e2cff8" providerId="LiveId" clId="{DF340445-32E5-438B-8B34-A31D2522BF5F}" dt="2020-12-07T15:39:19.386" v="204" actId="1076"/>
+          <ac:spMkLst>
+            <pc:docMk/>
+            <pc:sldMk cId="0" sldId="278"/>
+            <ac:spMk id="9" creationId="{48311492-6828-43AD-B433-7B6326A0C50E}"/>
+          </ac:spMkLst>
+        </pc:spChg>
+        <pc:picChg chg="add mod">
+          <ac:chgData name="Magik Home" userId="68ebee5321e2cff8" providerId="LiveId" clId="{DF340445-32E5-438B-8B34-A31D2522BF5F}" dt="2020-12-07T15:39:11.403" v="202" actId="1036"/>
+          <ac:picMkLst>
+            <pc:docMk/>
+            <pc:sldMk cId="0" sldId="278"/>
+            <ac:picMk id="10" creationId="{A960E652-F922-4953-B1C7-B0C3183D13DA}"/>
+          </ac:picMkLst>
+        </pc:picChg>
+        <pc:picChg chg="del">
+          <ac:chgData name="Magik Home" userId="68ebee5321e2cff8" providerId="LiveId" clId="{DF340445-32E5-438B-8B34-A31D2522BF5F}" dt="2020-12-07T15:38:38.717" v="190" actId="478"/>
+          <ac:picMkLst>
+            <pc:docMk/>
+            <pc:sldMk cId="0" sldId="278"/>
+            <ac:picMk id="296" creationId="{00000000-0000-0000-0000-000000000000}"/>
+          </ac:picMkLst>
+        </pc:picChg>
+      </pc:sldChg>
+      <pc:sldChg chg="addSp delSp modSp mod">
+        <pc:chgData name="Magik Home" userId="68ebee5321e2cff8" providerId="LiveId" clId="{DF340445-32E5-438B-8B34-A31D2522BF5F}" dt="2020-12-07T15:40:45.030" v="208"/>
+        <pc:sldMkLst>
+          <pc:docMk/>
+          <pc:sldMk cId="0" sldId="279"/>
+        </pc:sldMkLst>
+        <pc:spChg chg="add del mod">
+          <ac:chgData name="Magik Home" userId="68ebee5321e2cff8" providerId="LiveId" clId="{DF340445-32E5-438B-8B34-A31D2522BF5F}" dt="2020-12-07T15:40:40.590" v="206"/>
+          <ac:spMkLst>
+            <pc:docMk/>
+            <pc:sldMk cId="0" sldId="279"/>
+            <ac:spMk id="9" creationId="{753385E5-04AE-4817-B8A0-9910C7A9BB5E}"/>
+          </ac:spMkLst>
+        </pc:spChg>
+        <pc:spChg chg="add mod">
+          <ac:chgData name="Magik Home" userId="68ebee5321e2cff8" providerId="LiveId" clId="{DF340445-32E5-438B-8B34-A31D2522BF5F}" dt="2020-12-07T15:40:45.030" v="208"/>
+          <ac:spMkLst>
+            <pc:docMk/>
+            <pc:sldMk cId="0" sldId="279"/>
+            <ac:spMk id="11" creationId="{EF685BE9-172B-43CA-AC4C-EA2760688677}"/>
+          </ac:spMkLst>
+        </pc:spChg>
+        <pc:picChg chg="add del mod">
+          <ac:chgData name="Magik Home" userId="68ebee5321e2cff8" providerId="LiveId" clId="{DF340445-32E5-438B-8B34-A31D2522BF5F}" dt="2020-12-07T15:40:40.590" v="206"/>
+          <ac:picMkLst>
+            <pc:docMk/>
+            <pc:sldMk cId="0" sldId="279"/>
+            <ac:picMk id="10" creationId="{C890AC65-C6CF-40BB-9E21-453BE32B4F4F}"/>
+          </ac:picMkLst>
+        </pc:picChg>
+        <pc:picChg chg="add mod">
+          <ac:chgData name="Magik Home" userId="68ebee5321e2cff8" providerId="LiveId" clId="{DF340445-32E5-438B-8B34-A31D2522BF5F}" dt="2020-12-07T15:40:45.030" v="208"/>
+          <ac:picMkLst>
+            <pc:docMk/>
+            <pc:sldMk cId="0" sldId="279"/>
+            <ac:picMk id="12" creationId="{7CDD2547-113F-4C38-899B-C03E90ED0107}"/>
+          </ac:picMkLst>
+        </pc:picChg>
+        <pc:picChg chg="del">
+          <ac:chgData name="Magik Home" userId="68ebee5321e2cff8" providerId="LiveId" clId="{DF340445-32E5-438B-8B34-A31D2522BF5F}" dt="2020-12-07T15:40:44.906" v="207" actId="478"/>
+          <ac:picMkLst>
+            <pc:docMk/>
+            <pc:sldMk cId="0" sldId="279"/>
+            <ac:picMk id="307" creationId="{00000000-0000-0000-0000-000000000000}"/>
+          </ac:picMkLst>
+        </pc:picChg>
+      </pc:sldChg>
+      <pc:sldChg chg="addSp delSp modSp mod">
+        <pc:chgData name="Magik Home" userId="68ebee5321e2cff8" providerId="LiveId" clId="{DF340445-32E5-438B-8B34-A31D2522BF5F}" dt="2020-12-07T15:40:48.504" v="210"/>
+        <pc:sldMkLst>
+          <pc:docMk/>
+          <pc:sldMk cId="0" sldId="280"/>
+        </pc:sldMkLst>
+        <pc:spChg chg="add mod">
+          <ac:chgData name="Magik Home" userId="68ebee5321e2cff8" providerId="LiveId" clId="{DF340445-32E5-438B-8B34-A31D2522BF5F}" dt="2020-12-07T15:40:48.504" v="210"/>
+          <ac:spMkLst>
+            <pc:docMk/>
+            <pc:sldMk cId="0" sldId="280"/>
+            <ac:spMk id="9" creationId="{05607CAB-A00B-4A92-8AEB-FE22EB2B0394}"/>
+          </ac:spMkLst>
+        </pc:spChg>
+        <pc:picChg chg="add mod">
+          <ac:chgData name="Magik Home" userId="68ebee5321e2cff8" providerId="LiveId" clId="{DF340445-32E5-438B-8B34-A31D2522BF5F}" dt="2020-12-07T15:40:48.504" v="210"/>
+          <ac:picMkLst>
+            <pc:docMk/>
+            <pc:sldMk cId="0" sldId="280"/>
+            <ac:picMk id="10" creationId="{22AC658D-988D-4684-9187-95653E6D8B1B}"/>
+          </ac:picMkLst>
+        </pc:picChg>
+        <pc:picChg chg="del">
+          <ac:chgData name="Magik Home" userId="68ebee5321e2cff8" providerId="LiveId" clId="{DF340445-32E5-438B-8B34-A31D2522BF5F}" dt="2020-12-07T15:40:48.343" v="209" actId="478"/>
+          <ac:picMkLst>
+            <pc:docMk/>
+            <pc:sldMk cId="0" sldId="280"/>
+            <ac:picMk id="318" creationId="{00000000-0000-0000-0000-000000000000}"/>
+          </ac:picMkLst>
+        </pc:picChg>
+      </pc:sldChg>
+    </pc:docChg>
+  </pc:docChgLst>
+</pc:chgInfo>
 </file>
 
 <file path=ppt/notesMasters/notesMaster1.xml><?xml version="1.0" encoding="utf-8"?>
@@ -11155,7 +11552,7 @@
               </a14:hiddenLine>
             </a:ext>
             <a:ext uri="{FAA26D3D-D897-4be2-8F04-BA451C77F1D7}">
-              <ma14:placeholderFlag xmlns:ma14="http://schemas.microsoft.com/office/mac/drawingml/2011/main" val="1"/>
+              <ma14:placeholderFlag xmlns:ma14="http://schemas.microsoft.com/office/mac/drawingml/2011/main" xmlns="" val="1"/>
             </a:ext>
           </a:extLst>
         </p:spPr>
@@ -11216,7 +11613,7 @@
               </a14:hiddenLine>
             </a:ext>
             <a:ext uri="{FAA26D3D-D897-4be2-8F04-BA451C77F1D7}">
-              <ma14:placeholderFlag xmlns:ma14="http://schemas.microsoft.com/office/mac/drawingml/2011/main" val="1"/>
+              <ma14:placeholderFlag xmlns:ma14="http://schemas.microsoft.com/office/mac/drawingml/2011/main" xmlns="" val="1"/>
             </a:ext>
           </a:extLst>
         </p:spPr>
@@ -11456,7 +11853,7 @@
               </a:pPr>
               <a:t>‹#›</a:t>
             </a:fld>
-            <a:endParaRPr lang="en-US" altLang="en-US" kern="1200" smtClean="0">
+            <a:endParaRPr lang="en-US" altLang="en-US" kern="1200">
               <a:latin typeface="Arial" charset="0"/>
               <a:ea typeface=""/>
               <a:cs typeface=""/>
@@ -11907,14 +12304,6 @@
               </a:rPr>
               <a:t>Blue Waters Petascale Semester Curriculum v1.0</a:t>
             </a:r>
-            <a:r>
-              <a:rPr lang="en-US" sz="2700" dirty="0">
-                <a:latin typeface="Times New Roman" charset="0"/>
-                <a:ea typeface="Times New Roman" charset="0"/>
-                <a:cs typeface="Times New Roman" charset="0"/>
-              </a:rPr>
-              <a:t/>
-            </a:r>
             <a:br>
               <a:rPr lang="en-US" sz="2700" dirty="0">
                 <a:latin typeface="Times New Roman" charset="0"/>
@@ -11928,23 +12317,7 @@
                 <a:ea typeface="Times New Roman" charset="0"/>
                 <a:cs typeface="Times New Roman" charset="0"/>
               </a:rPr>
-              <a:t>Unit 7</a:t>
-            </a:r>
-            <a:r>
-              <a:rPr lang="en-US" sz="2700" b="1" dirty="0" smtClean="0">
-                <a:latin typeface="Times New Roman" charset="0"/>
-                <a:ea typeface="Times New Roman" charset="0"/>
-                <a:cs typeface="Times New Roman" charset="0"/>
-              </a:rPr>
-              <a:t>: CUDA</a:t>
-            </a:r>
-            <a:r>
-              <a:rPr lang="en-US" sz="2700" dirty="0">
-                <a:latin typeface="Times New Roman" charset="0"/>
-                <a:ea typeface="Times New Roman" charset="0"/>
-                <a:cs typeface="Times New Roman" charset="0"/>
-              </a:rPr>
-              <a:t/>
+              <a:t>Unit 7: CUDA</a:t>
             </a:r>
             <a:br>
               <a:rPr lang="en-US" sz="2700" dirty="0">
@@ -11959,23 +12332,7 @@
                 <a:ea typeface="Times New Roman" charset="0"/>
                 <a:cs typeface="Times New Roman" charset="0"/>
               </a:rPr>
-              <a:t>Lesson </a:t>
-            </a:r>
-            <a:r>
-              <a:rPr lang="en-US" sz="2700" b="1" dirty="0" smtClean="0">
-                <a:latin typeface="Times New Roman" charset="0"/>
-                <a:ea typeface="Times New Roman" charset="0"/>
-                <a:cs typeface="Times New Roman" charset="0"/>
-              </a:rPr>
-              <a:t>1: Introduction to CUDA GPGPU</a:t>
-            </a:r>
-            <a:r>
-              <a:rPr lang="en-US" sz="2700" b="1" dirty="0">
-                <a:latin typeface="Times New Roman" charset="0"/>
-                <a:ea typeface="Times New Roman" charset="0"/>
-                <a:cs typeface="Times New Roman" charset="0"/>
-              </a:rPr>
-              <a:t/>
+              <a:t>Lesson 1: Introduction to CUDA GPGPU</a:t>
             </a:r>
             <a:br>
               <a:rPr lang="en-US" sz="2700" b="1" dirty="0">
@@ -11990,23 +12347,7 @@
                 <a:ea typeface="Times New Roman" charset="0"/>
                 <a:cs typeface="Times New Roman" charset="0"/>
               </a:rPr>
-              <a:t>Developed by </a:t>
-            </a:r>
-            <a:r>
-              <a:rPr lang="en-US" sz="2700" i="1" dirty="0" smtClean="0">
-                <a:latin typeface="Times New Roman" charset="0"/>
-                <a:ea typeface="Times New Roman" charset="0"/>
-                <a:cs typeface="Times New Roman" charset="0"/>
-              </a:rPr>
-              <a:t>Michael D. Shah</a:t>
-            </a:r>
-            <a:r>
-              <a:rPr lang="en-US" sz="2700" i="1" dirty="0">
-                <a:latin typeface="Times New Roman" charset="0"/>
-                <a:ea typeface="Times New Roman" charset="0"/>
-                <a:cs typeface="Times New Roman" charset="0"/>
-              </a:rPr>
-              <a:t/>
+              <a:t>Developed by Michael D. Shah</a:t>
             </a:r>
             <a:br>
               <a:rPr lang="en-US" sz="2700" i="1" dirty="0">
@@ -12036,13 +12377,6 @@
   <p:clrMapOvr>
     <a:masterClrMapping/>
   </p:clrMapOvr>
-  <p:timing>
-    <p:tnLst>
-      <p:par>
-        <p:cTn id="1" dur="indefinite" restart="never" nodeType="tmRoot"/>
-      </p:par>
-    </p:tnLst>
-  </p:timing>
 </p:sld>
 </file>
 
@@ -13701,84 +14035,6 @@
               <a:buNone/>
             </a:pPr>
             <a:endParaRPr/>
-          </a:p>
-        </p:txBody>
-      </p:sp>
-      <p:pic>
-        <p:nvPicPr>
-          <p:cNvPr id="181" name="Google Shape;181;p21"/>
-          <p:cNvPicPr preferRelativeResize="0"/>
-          <p:nvPr/>
-        </p:nvPicPr>
-        <p:blipFill>
-          <a:blip r:embed="rId3">
-            <a:alphaModFix/>
-          </a:blip>
-          <a:stretch>
-            <a:fillRect/>
-          </a:stretch>
-        </p:blipFill>
-        <p:spPr>
-          <a:xfrm>
-            <a:off x="3169358" y="2891919"/>
-            <a:ext cx="1790275" cy="1793055"/>
-          </a:xfrm>
-          <a:prstGeom prst="rect">
-            <a:avLst/>
-          </a:prstGeom>
-          <a:noFill/>
-          <a:ln>
-            <a:noFill/>
-          </a:ln>
-        </p:spPr>
-      </p:pic>
-      <p:sp>
-        <p:nvSpPr>
-          <p:cNvPr id="182" name="Google Shape;182;p21"/>
-          <p:cNvSpPr txBox="1"/>
-          <p:nvPr/>
-        </p:nvSpPr>
-        <p:spPr>
-          <a:xfrm>
-            <a:off x="2564501" y="4703625"/>
-            <a:ext cx="3308100" cy="469200"/>
-          </a:xfrm>
-          <a:prstGeom prst="rect">
-            <a:avLst/>
-          </a:prstGeom>
-          <a:noFill/>
-          <a:ln>
-            <a:noFill/>
-          </a:ln>
-        </p:spPr>
-        <p:txBody>
-          <a:bodyPr spcFirstLastPara="1" wrap="square" lIns="91425" tIns="91425" rIns="91425" bIns="91425" anchor="t" anchorCtr="0">
-            <a:noAutofit/>
-          </a:bodyPr>
-          <a:lstStyle/>
-          <a:p>
-            <a:pPr marL="0" lvl="0" indent="0" algn="l" rtl="0">
-              <a:spcBef>
-                <a:spcPts val="0"/>
-              </a:spcBef>
-              <a:spcAft>
-                <a:spcPts val="0"/>
-              </a:spcAft>
-              <a:buNone/>
-            </a:pPr>
-            <a:r>
-              <a:rPr lang="en" sz="700">
-                <a:solidFill>
-                  <a:srgbClr val="FFFFFF"/>
-                </a:solidFill>
-              </a:rPr>
-              <a:t>https://www.artsycouture.com/blog/wp-content/uploads/2020/03/ludwig.png</a:t>
-            </a:r>
-            <a:endParaRPr sz="700">
-              <a:solidFill>
-                <a:srgbClr val="FFFFFF"/>
-              </a:solidFill>
-            </a:endParaRPr>
           </a:p>
         </p:txBody>
       </p:sp>
@@ -16224,23 +16480,7 @@
                 <a:ea typeface="Times New Roman" charset="0"/>
                 <a:cs typeface="Times New Roman" charset="0"/>
               </a:rPr>
-              <a:t>CC </a:t>
-            </a:r>
-            <a:r>
-              <a:rPr lang="en-US" sz="2100" dirty="0" smtClean="0">
-                <a:latin typeface="Times New Roman" charset="0"/>
-                <a:ea typeface="Times New Roman" charset="0"/>
-                <a:cs typeface="Times New Roman" charset="0"/>
-              </a:rPr>
-              <a:t>BY-SA </a:t>
-            </a:r>
-            <a:r>
-              <a:rPr lang="en-US" sz="2100" dirty="0">
-                <a:latin typeface="Times New Roman" charset="0"/>
-                <a:ea typeface="Times New Roman" charset="0"/>
-                <a:cs typeface="Times New Roman" charset="0"/>
-              </a:rPr>
-              <a:t>4.0. To view a copy of this license, visit </a:t>
+              <a:t>CC BY-SA 4.0. To view a copy of this license, visit </a:t>
             </a:r>
             <a:r>
               <a:rPr lang="en-US" sz="2100" dirty="0">
@@ -16249,24 +16489,7 @@
                 <a:cs typeface="Times New Roman" charset="0"/>
                 <a:hlinkClick r:id="rId2"/>
               </a:rPr>
-              <a:t>https://</a:t>
-            </a:r>
-            <a:r>
-              <a:rPr lang="en-US" sz="2100" dirty="0" smtClean="0">
-                <a:latin typeface="Times New Roman" charset="0"/>
-                <a:ea typeface="Times New Roman" charset="0"/>
-                <a:cs typeface="Times New Roman" charset="0"/>
-                <a:hlinkClick r:id="rId2"/>
-              </a:rPr>
-              <a:t>creativecommons.org/licenses/by-sa/4.0</a:t>
-            </a:r>
-            <a:r>
-              <a:rPr lang="en-US" sz="2100" dirty="0">
-                <a:latin typeface="Times New Roman" charset="0"/>
-                <a:ea typeface="Times New Roman" charset="0"/>
-                <a:cs typeface="Times New Roman" charset="0"/>
-              </a:rPr>
-              <a:t/>
+              <a:t>https://creativecommons.org/licenses/by-sa/4.0</a:t>
             </a:r>
             <a:br>
               <a:rPr lang="en-US" sz="2100" dirty="0">
@@ -16275,14 +16498,6 @@
                 <a:cs typeface="Times New Roman" charset="0"/>
               </a:rPr>
             </a:br>
-            <a:r>
-              <a:rPr lang="en-US" sz="2100" dirty="0">
-                <a:latin typeface="Times New Roman" charset="0"/>
-                <a:ea typeface="Times New Roman" charset="0"/>
-                <a:cs typeface="Times New Roman" charset="0"/>
-              </a:rPr>
-              <a:t/>
-            </a:r>
             <a:br>
               <a:rPr lang="en-US" sz="2100" dirty="0">
                 <a:latin typeface="Times New Roman" charset="0"/>
@@ -16307,14 +16522,6 @@
               </a:rPr>
               <a:t>http://shodor.org/petascale/materials/semester-curriculum</a:t>
             </a:r>
-            <a:r>
-              <a:rPr lang="en-US" sz="2100" dirty="0">
-                <a:latin typeface="Times New Roman" charset="0"/>
-                <a:ea typeface="Times New Roman" charset="0"/>
-                <a:cs typeface="Times New Roman" charset="0"/>
-              </a:rPr>
-              <a:t/>
-            </a:r>
             <a:br>
               <a:rPr lang="en-US" sz="2100" dirty="0">
                 <a:latin typeface="Times New Roman" charset="0"/>
@@ -16322,14 +16529,6 @@
                 <a:cs typeface="Times New Roman" charset="0"/>
               </a:rPr>
             </a:br>
-            <a:r>
-              <a:rPr lang="en-US" sz="2100" dirty="0">
-                <a:latin typeface="Times New Roman" charset="0"/>
-                <a:ea typeface="Times New Roman" charset="0"/>
-                <a:cs typeface="Times New Roman" charset="0"/>
-              </a:rPr>
-              <a:t/>
-            </a:r>
             <a:br>
               <a:rPr lang="en-US" sz="2100" dirty="0">
                 <a:latin typeface="Times New Roman" charset="0"/>
@@ -16354,14 +16553,6 @@
               </a:rPr>
               <a:t>https://github.com/shodor-education/petascale-semester-curriculum</a:t>
             </a:r>
-            <a:r>
-              <a:rPr lang="en-US" sz="2100" dirty="0">
-                <a:latin typeface="Times New Roman" charset="0"/>
-                <a:ea typeface="Times New Roman" charset="0"/>
-                <a:cs typeface="Times New Roman" charset="0"/>
-              </a:rPr>
-              <a:t/>
-            </a:r>
             <a:br>
               <a:rPr lang="en-US" sz="2100" dirty="0">
                 <a:latin typeface="Times New Roman" charset="0"/>
@@ -16369,14 +16560,6 @@
                 <a:cs typeface="Times New Roman" charset="0"/>
               </a:rPr>
             </a:br>
-            <a:r>
-              <a:rPr lang="en-US" sz="2100" dirty="0">
-                <a:latin typeface="Times New Roman" charset="0"/>
-                <a:ea typeface="Times New Roman" charset="0"/>
-                <a:cs typeface="Times New Roman" charset="0"/>
-              </a:rPr>
-              <a:t/>
-            </a:r>
             <a:br>
               <a:rPr lang="en-US" sz="2100" dirty="0">
                 <a:latin typeface="Times New Roman" charset="0"/>
@@ -16713,24 +16896,22 @@
           </a:p>
         </p:txBody>
       </p:sp>
-      <p:pic>
-        <p:nvPicPr>
-          <p:cNvPr id="271" name="Google Shape;271;p32"/>
-          <p:cNvPicPr preferRelativeResize="0"/>
+      <p:sp>
+        <p:nvSpPr>
+          <p:cNvPr id="11" name="Google Shape;272;p32">
+            <a:extLst>
+              <a:ext uri="{FF2B5EF4-FFF2-40B4-BE49-F238E27FC236}">
+                <a16:creationId xmlns:a16="http://schemas.microsoft.com/office/drawing/2014/main" id="{6B8A994A-B274-47DE-954D-0B4647ABC945}"/>
+              </a:ext>
+            </a:extLst>
+          </p:cNvPr>
+          <p:cNvSpPr txBox="1"/>
           <p:nvPr/>
-        </p:nvPicPr>
-        <p:blipFill>
-          <a:blip r:embed="rId3">
-            <a:alphaModFix/>
-          </a:blip>
-          <a:stretch>
-            <a:fillRect/>
-          </a:stretch>
-        </p:blipFill>
-        <p:spPr>
-          <a:xfrm>
-            <a:off x="4724400" y="1170125"/>
-            <a:ext cx="4267201" cy="2339024"/>
+        </p:nvSpPr>
+        <p:spPr>
+          <a:xfrm>
+            <a:off x="4572000" y="3186751"/>
+            <a:ext cx="4260300" cy="428100"/>
           </a:xfrm>
           <a:prstGeom prst="rect">
             <a:avLst/>
@@ -16740,54 +16921,141 @@
             <a:noFill/>
           </a:ln>
         </p:spPr>
-      </p:pic>
-      <p:sp>
-        <p:nvSpPr>
-          <p:cNvPr id="272" name="Google Shape;272;p32"/>
-          <p:cNvSpPr txBox="1"/>
-          <p:nvPr/>
-        </p:nvSpPr>
-        <p:spPr>
-          <a:xfrm>
-            <a:off x="4724400" y="3576800"/>
-            <a:ext cx="4260300" cy="428100"/>
-          </a:xfrm>
-          <a:prstGeom prst="rect">
-            <a:avLst/>
-          </a:prstGeom>
-          <a:noFill/>
-          <a:ln>
-            <a:noFill/>
-          </a:ln>
-        </p:spPr>
         <p:txBody>
           <a:bodyPr spcFirstLastPara="1" wrap="square" lIns="91425" tIns="91425" rIns="91425" bIns="91425" anchor="t" anchorCtr="0">
             <a:noAutofit/>
           </a:bodyPr>
           <a:lstStyle/>
           <a:p>
-            <a:pPr marL="0" lvl="0" indent="0" algn="l" rtl="0">
-              <a:spcBef>
-                <a:spcPts val="0"/>
-              </a:spcBef>
-              <a:spcAft>
-                <a:spcPts val="0"/>
-              </a:spcAft>
-              <a:buNone/>
-            </a:pPr>
-            <a:r>
-              <a:rPr lang="en" sz="800" u="sng">
+            <a:pPr lvl="0"/>
+            <a:r>
+              <a:rPr lang="en-US" sz="1200" dirty="0">
                 <a:solidFill>
-                  <a:schemeClr val="hlink"/>
+                  <a:schemeClr val="tx1"/>
                 </a:solidFill>
+                <a:latin typeface="Roboto"/>
+                <a:ea typeface="Roboto"/>
+                <a:cs typeface="Roboto"/>
+                <a:sym typeface="Roboto"/>
+              </a:rPr>
+              <a:t>Image: </a:t>
+            </a:r>
+            <a:r>
+              <a:rPr lang="en-US" sz="1200" dirty="0" err="1">
+                <a:latin typeface="Roboto"/>
+                <a:ea typeface="Roboto"/>
+                <a:cs typeface="Roboto"/>
+                <a:sym typeface="Roboto"/>
+                <a:hlinkClick r:id="rId3"/>
+              </a:rPr>
+              <a:t>Cpu-gpu.svg</a:t>
+            </a:r>
+            <a:r>
+              <a:rPr lang="en-US" sz="1200" dirty="0">
+                <a:latin typeface="Roboto"/>
+                <a:ea typeface="Roboto"/>
+                <a:cs typeface="Roboto"/>
+                <a:sym typeface="Roboto"/>
+              </a:rPr>
+              <a:t> </a:t>
+            </a:r>
+            <a:r>
+              <a:rPr lang="en-US" sz="1200" dirty="0">
+                <a:solidFill>
+                  <a:schemeClr val="tx1"/>
+                </a:solidFill>
+                <a:latin typeface="Roboto"/>
+                <a:ea typeface="Roboto"/>
+                <a:cs typeface="Roboto"/>
+                <a:sym typeface="Roboto"/>
+              </a:rPr>
+              <a:t>by </a:t>
+            </a:r>
+            <a:r>
+              <a:rPr lang="en-US" sz="1200" dirty="0">
+                <a:latin typeface="Roboto"/>
+                <a:ea typeface="Roboto"/>
+                <a:cs typeface="Roboto"/>
+                <a:sym typeface="Roboto"/>
                 <a:hlinkClick r:id="rId4"/>
               </a:rPr>
-              <a:t>https://developer.nvidia.com/blog/cuda-refresher-reviewing-the-origins-of-gpu-computing/</a:t>
-            </a:r>
-            <a:endParaRPr sz="1100"/>
-          </a:p>
-        </p:txBody>
-      </p:sp>
+              <a:t>NVIDIA</a:t>
+            </a:r>
+            <a:r>
+              <a:rPr lang="en-US" sz="1200" dirty="0">
+                <a:latin typeface="Roboto"/>
+                <a:ea typeface="Roboto"/>
+                <a:cs typeface="Roboto"/>
+                <a:sym typeface="Roboto"/>
+              </a:rPr>
+              <a:t> </a:t>
+            </a:r>
+            <a:r>
+              <a:rPr lang="en-US" sz="1200" dirty="0">
+                <a:solidFill>
+                  <a:schemeClr val="tx1"/>
+                </a:solidFill>
+                <a:latin typeface="Roboto"/>
+                <a:ea typeface="Roboto"/>
+                <a:cs typeface="Roboto"/>
+                <a:sym typeface="Roboto"/>
+              </a:rPr>
+              <a:t>is licensed under</a:t>
+            </a:r>
+            <a:r>
+              <a:rPr lang="en-US" sz="1200" dirty="0">
+                <a:latin typeface="Roboto"/>
+                <a:ea typeface="Roboto"/>
+                <a:cs typeface="Roboto"/>
+                <a:sym typeface="Roboto"/>
+              </a:rPr>
+              <a:t> </a:t>
+            </a:r>
+            <a:r>
+              <a:rPr lang="en-US" sz="1200" dirty="0">
+                <a:hlinkClick r:id="rId5"/>
+              </a:rPr>
+              <a:t>CC-BY-3.0</a:t>
+            </a:r>
+            <a:endParaRPr lang="en-US" sz="1200" dirty="0">
+              <a:latin typeface="Roboto"/>
+              <a:ea typeface="Roboto"/>
+              <a:cs typeface="Roboto"/>
+              <a:sym typeface="Roboto"/>
+            </a:endParaRPr>
+          </a:p>
+        </p:txBody>
+      </p:sp>
+      <p:pic>
+        <p:nvPicPr>
+          <p:cNvPr id="12" name="Picture 11">
+            <a:extLst>
+              <a:ext uri="{FF2B5EF4-FFF2-40B4-BE49-F238E27FC236}">
+                <a16:creationId xmlns:a16="http://schemas.microsoft.com/office/drawing/2014/main" id="{95CD1B46-4EB0-473B-ADE5-E1A3D11B7886}"/>
+              </a:ext>
+            </a:extLst>
+          </p:cNvPr>
+          <p:cNvPicPr>
+            <a:picLocks noChangeAspect="1"/>
+          </p:cNvPicPr>
+          <p:nvPr/>
+        </p:nvPicPr>
+        <p:blipFill>
+          <a:blip r:embed="rId6"/>
+          <a:stretch>
+            <a:fillRect/>
+          </a:stretch>
+        </p:blipFill>
+        <p:spPr>
+          <a:xfrm>
+            <a:off x="4572000" y="1566700"/>
+            <a:ext cx="4291526" cy="1620051"/>
+          </a:xfrm>
+          <a:prstGeom prst="rect">
+            <a:avLst/>
+          </a:prstGeom>
+        </p:spPr>
+      </p:pic>
     </p:spTree>
   </p:cSld>
   <p:clrMapOvr>
@@ -16815,6 +17083,166 @@
       </p:grpSpPr>
       <p:sp>
         <p:nvSpPr>
+          <p:cNvPr id="14" name="Google Shape;272;p32">
+            <a:extLst>
+              <a:ext uri="{FF2B5EF4-FFF2-40B4-BE49-F238E27FC236}">
+                <a16:creationId xmlns:a16="http://schemas.microsoft.com/office/drawing/2014/main" id="{2197C20F-1B26-4259-9E08-0AAD3F67AEBD}"/>
+              </a:ext>
+            </a:extLst>
+          </p:cNvPr>
+          <p:cNvSpPr txBox="1"/>
+          <p:nvPr/>
+        </p:nvSpPr>
+        <p:spPr>
+          <a:xfrm>
+            <a:off x="4572000" y="3165486"/>
+            <a:ext cx="4260300" cy="428100"/>
+          </a:xfrm>
+          <a:prstGeom prst="rect">
+            <a:avLst/>
+          </a:prstGeom>
+          <a:noFill/>
+          <a:ln>
+            <a:noFill/>
+          </a:ln>
+        </p:spPr>
+        <p:txBody>
+          <a:bodyPr spcFirstLastPara="1" wrap="square" lIns="91425" tIns="91425" rIns="91425" bIns="91425" anchor="t" anchorCtr="0">
+            <a:noAutofit/>
+          </a:bodyPr>
+          <a:lstStyle/>
+          <a:p>
+            <a:pPr lvl="0"/>
+            <a:r>
+              <a:rPr lang="en-US" sz="1200" dirty="0">
+                <a:solidFill>
+                  <a:schemeClr val="tx1"/>
+                </a:solidFill>
+                <a:latin typeface="Roboto"/>
+                <a:ea typeface="Roboto"/>
+                <a:cs typeface="Roboto"/>
+                <a:sym typeface="Roboto"/>
+              </a:rPr>
+              <a:t>Image: </a:t>
+            </a:r>
+            <a:r>
+              <a:rPr lang="en-US" sz="1200" dirty="0" err="1">
+                <a:latin typeface="Roboto"/>
+                <a:ea typeface="Roboto"/>
+                <a:cs typeface="Roboto"/>
+                <a:sym typeface="Roboto"/>
+                <a:hlinkClick r:id="rId3"/>
+              </a:rPr>
+              <a:t>Cpu-gpu.svg</a:t>
+            </a:r>
+            <a:r>
+              <a:rPr lang="en-US" sz="1200" dirty="0">
+                <a:latin typeface="Roboto"/>
+                <a:ea typeface="Roboto"/>
+                <a:cs typeface="Roboto"/>
+                <a:sym typeface="Roboto"/>
+              </a:rPr>
+              <a:t> </a:t>
+            </a:r>
+            <a:r>
+              <a:rPr lang="en-US" sz="1200" dirty="0">
+                <a:solidFill>
+                  <a:schemeClr val="tx1"/>
+                </a:solidFill>
+                <a:latin typeface="Roboto"/>
+                <a:ea typeface="Roboto"/>
+                <a:cs typeface="Roboto"/>
+                <a:sym typeface="Roboto"/>
+              </a:rPr>
+              <a:t>by </a:t>
+            </a:r>
+            <a:r>
+              <a:rPr lang="en-US" sz="1200" dirty="0">
+                <a:latin typeface="Roboto"/>
+                <a:ea typeface="Roboto"/>
+                <a:cs typeface="Roboto"/>
+                <a:sym typeface="Roboto"/>
+                <a:hlinkClick r:id="rId4"/>
+              </a:rPr>
+              <a:t>NVIDIA</a:t>
+            </a:r>
+            <a:r>
+              <a:rPr lang="en-US" sz="1200" dirty="0">
+                <a:latin typeface="Roboto"/>
+                <a:ea typeface="Roboto"/>
+                <a:cs typeface="Roboto"/>
+                <a:sym typeface="Roboto"/>
+              </a:rPr>
+              <a:t> </a:t>
+            </a:r>
+            <a:r>
+              <a:rPr lang="en-US" sz="1200" dirty="0">
+                <a:solidFill>
+                  <a:schemeClr val="tx1"/>
+                </a:solidFill>
+                <a:latin typeface="Roboto"/>
+                <a:ea typeface="Roboto"/>
+                <a:cs typeface="Roboto"/>
+                <a:sym typeface="Roboto"/>
+              </a:rPr>
+              <a:t>is licensed under</a:t>
+            </a:r>
+            <a:r>
+              <a:rPr lang="en-US" sz="1200" dirty="0">
+                <a:latin typeface="Roboto"/>
+                <a:ea typeface="Roboto"/>
+                <a:cs typeface="Roboto"/>
+                <a:sym typeface="Roboto"/>
+              </a:rPr>
+              <a:t> </a:t>
+            </a:r>
+            <a:r>
+              <a:rPr lang="en-US" sz="1200" dirty="0">
+                <a:hlinkClick r:id="rId5"/>
+              </a:rPr>
+              <a:t>CC-BY-3.0</a:t>
+            </a:r>
+            <a:endParaRPr lang="en-US" sz="1200" dirty="0">
+              <a:latin typeface="Roboto"/>
+              <a:ea typeface="Roboto"/>
+              <a:cs typeface="Roboto"/>
+              <a:sym typeface="Roboto"/>
+            </a:endParaRPr>
+          </a:p>
+        </p:txBody>
+      </p:sp>
+      <p:pic>
+        <p:nvPicPr>
+          <p:cNvPr id="15" name="Picture 14">
+            <a:extLst>
+              <a:ext uri="{FF2B5EF4-FFF2-40B4-BE49-F238E27FC236}">
+                <a16:creationId xmlns:a16="http://schemas.microsoft.com/office/drawing/2014/main" id="{1330636C-D194-44EA-83B4-52409FE0928D}"/>
+              </a:ext>
+            </a:extLst>
+          </p:cNvPr>
+          <p:cNvPicPr>
+            <a:picLocks noChangeAspect="1"/>
+          </p:cNvPicPr>
+          <p:nvPr/>
+        </p:nvPicPr>
+        <p:blipFill>
+          <a:blip r:embed="rId6"/>
+          <a:stretch>
+            <a:fillRect/>
+          </a:stretch>
+        </p:blipFill>
+        <p:spPr>
+          <a:xfrm>
+            <a:off x="4572000" y="1545435"/>
+            <a:ext cx="4291526" cy="1620051"/>
+          </a:xfrm>
+          <a:prstGeom prst="rect">
+            <a:avLst/>
+          </a:prstGeom>
+        </p:spPr>
+      </p:pic>
+      <p:sp>
+        <p:nvSpPr>
           <p:cNvPr id="277" name="Google Shape;277;p33"/>
           <p:cNvSpPr txBox="1">
             <a:spLocks noGrp="1"/>
@@ -16944,14 +17372,14 @@
               <a:buChar char="●"/>
             </a:pPr>
             <a:r>
-              <a:rPr lang="en">
+              <a:rPr lang="en" dirty="0">
                 <a:solidFill>
                   <a:srgbClr val="666666"/>
                 </a:solidFill>
               </a:rPr>
               <a:t>The first thing we need to understand in our use case, is that one code is written on the CPU, and one for the GPU</a:t>
             </a:r>
-            <a:endParaRPr>
+            <a:endParaRPr dirty="0">
               <a:solidFill>
                 <a:srgbClr val="666666"/>
               </a:solidFill>
@@ -16972,14 +17400,14 @@
               <a:buChar char="●"/>
             </a:pPr>
             <a:r>
-              <a:rPr lang="en">
+              <a:rPr lang="en" dirty="0">
                 <a:solidFill>
                   <a:srgbClr val="666666"/>
                 </a:solidFill>
               </a:rPr>
               <a:t>GPU’s (right) are structured differently than our CPUs (left)</a:t>
             </a:r>
-            <a:endParaRPr>
+            <a:endParaRPr dirty="0">
               <a:solidFill>
                 <a:srgbClr val="666666"/>
               </a:solidFill>
@@ -17000,7 +17428,7 @@
               <a:buChar char="●"/>
             </a:pPr>
             <a:r>
-              <a:rPr lang="en">
+              <a:rPr lang="en" dirty="0">
                 <a:solidFill>
                   <a:srgbClr val="666666"/>
                 </a:solidFill>
@@ -17008,93 +17436,18 @@
               <a:t>Notice the little ‘green’ boxes in the GPU--there are many more of these compute units--and those units are meant to execute code in parallel in individual </a:t>
             </a:r>
             <a:r>
-              <a:rPr lang="en" b="1">
+              <a:rPr lang="en" b="1" dirty="0">
                 <a:solidFill>
                   <a:srgbClr val="666666"/>
                 </a:solidFill>
               </a:rPr>
               <a:t>threads.</a:t>
             </a:r>
-            <a:endParaRPr>
+            <a:endParaRPr dirty="0">
               <a:solidFill>
                 <a:srgbClr val="666666"/>
               </a:solidFill>
             </a:endParaRPr>
-          </a:p>
-        </p:txBody>
-      </p:sp>
-      <p:pic>
-        <p:nvPicPr>
-          <p:cNvPr id="280" name="Google Shape;280;p33"/>
-          <p:cNvPicPr preferRelativeResize="0"/>
-          <p:nvPr/>
-        </p:nvPicPr>
-        <p:blipFill>
-          <a:blip r:embed="rId3">
-            <a:alphaModFix/>
-          </a:blip>
-          <a:stretch>
-            <a:fillRect/>
-          </a:stretch>
-        </p:blipFill>
-        <p:spPr>
-          <a:xfrm>
-            <a:off x="4724400" y="1170125"/>
-            <a:ext cx="4267201" cy="2339024"/>
-          </a:xfrm>
-          <a:prstGeom prst="rect">
-            <a:avLst/>
-          </a:prstGeom>
-          <a:noFill/>
-          <a:ln>
-            <a:noFill/>
-          </a:ln>
-        </p:spPr>
-      </p:pic>
-      <p:sp>
-        <p:nvSpPr>
-          <p:cNvPr id="281" name="Google Shape;281;p33"/>
-          <p:cNvSpPr txBox="1"/>
-          <p:nvPr/>
-        </p:nvSpPr>
-        <p:spPr>
-          <a:xfrm>
-            <a:off x="4724400" y="3576800"/>
-            <a:ext cx="4260300" cy="428100"/>
-          </a:xfrm>
-          <a:prstGeom prst="rect">
-            <a:avLst/>
-          </a:prstGeom>
-          <a:noFill/>
-          <a:ln>
-            <a:noFill/>
-          </a:ln>
-        </p:spPr>
-        <p:txBody>
-          <a:bodyPr spcFirstLastPara="1" wrap="square" lIns="91425" tIns="91425" rIns="91425" bIns="91425" anchor="t" anchorCtr="0">
-            <a:noAutofit/>
-          </a:bodyPr>
-          <a:lstStyle/>
-          <a:p>
-            <a:pPr marL="0" lvl="0" indent="0" algn="l" rtl="0">
-              <a:spcBef>
-                <a:spcPts val="0"/>
-              </a:spcBef>
-              <a:spcAft>
-                <a:spcPts val="0"/>
-              </a:spcAft>
-              <a:buNone/>
-            </a:pPr>
-            <a:r>
-              <a:rPr lang="en" sz="800" u="sng">
-                <a:solidFill>
-                  <a:schemeClr val="hlink"/>
-                </a:solidFill>
-                <a:hlinkClick r:id="rId4"/>
-              </a:rPr>
-              <a:t>https://developer.nvidia.com/blog/cuda-refresher-reviewing-the-origins-of-gpu-computing/</a:t>
-            </a:r>
-            <a:endParaRPr sz="1100"/>
           </a:p>
         </p:txBody>
       </p:sp>
@@ -17473,34 +17826,6 @@
           <a:chExt cx="0" cy="0"/>
         </a:xfrm>
       </p:grpSpPr>
-      <p:pic>
-        <p:nvPicPr>
-          <p:cNvPr id="296" name="Google Shape;296;p35"/>
-          <p:cNvPicPr preferRelativeResize="0"/>
-          <p:nvPr/>
-        </p:nvPicPr>
-        <p:blipFill>
-          <a:blip r:embed="rId3">
-            <a:alphaModFix/>
-          </a:blip>
-          <a:stretch>
-            <a:fillRect/>
-          </a:stretch>
-        </p:blipFill>
-        <p:spPr>
-          <a:xfrm>
-            <a:off x="6641225" y="3865824"/>
-            <a:ext cx="2050175" cy="1123776"/>
-          </a:xfrm>
-          <a:prstGeom prst="rect">
-            <a:avLst/>
-          </a:prstGeom>
-          <a:noFill/>
-          <a:ln>
-            <a:noFill/>
-          </a:ln>
-        </p:spPr>
-      </p:pic>
       <p:sp>
         <p:nvSpPr>
           <p:cNvPr id="297" name="Google Shape;297;p35"/>
@@ -17701,7 +18026,7 @@
           <p:nvPr/>
         </p:nvPicPr>
         <p:blipFill>
-          <a:blip r:embed="rId4">
+          <a:blip r:embed="rId3">
             <a:alphaModFix/>
           </a:blip>
           <a:stretch>
@@ -17766,6 +18091,166 @@
           </a:p>
         </p:txBody>
       </p:sp>
+      <p:sp>
+        <p:nvSpPr>
+          <p:cNvPr id="9" name="Google Shape;272;p32">
+            <a:extLst>
+              <a:ext uri="{FF2B5EF4-FFF2-40B4-BE49-F238E27FC236}">
+                <a16:creationId xmlns:a16="http://schemas.microsoft.com/office/drawing/2014/main" id="{48311492-6828-43AD-B433-7B6326A0C50E}"/>
+              </a:ext>
+            </a:extLst>
+          </p:cNvPr>
+          <p:cNvSpPr txBox="1"/>
+          <p:nvPr/>
+        </p:nvSpPr>
+        <p:spPr>
+          <a:xfrm>
+            <a:off x="2949434" y="4409621"/>
+            <a:ext cx="2721263" cy="647196"/>
+          </a:xfrm>
+          <a:prstGeom prst="rect">
+            <a:avLst/>
+          </a:prstGeom>
+          <a:noFill/>
+          <a:ln>
+            <a:noFill/>
+          </a:ln>
+        </p:spPr>
+        <p:txBody>
+          <a:bodyPr spcFirstLastPara="1" wrap="square" lIns="91425" tIns="91425" rIns="91425" bIns="91425" anchor="t" anchorCtr="0">
+            <a:noAutofit/>
+          </a:bodyPr>
+          <a:lstStyle/>
+          <a:p>
+            <a:pPr lvl="0"/>
+            <a:r>
+              <a:rPr lang="en-US" sz="1200" dirty="0">
+                <a:solidFill>
+                  <a:schemeClr val="tx1"/>
+                </a:solidFill>
+                <a:latin typeface="Roboto"/>
+                <a:ea typeface="Roboto"/>
+                <a:cs typeface="Roboto"/>
+                <a:sym typeface="Roboto"/>
+              </a:rPr>
+              <a:t>Image: </a:t>
+            </a:r>
+            <a:r>
+              <a:rPr lang="en-US" sz="1200" dirty="0" err="1">
+                <a:latin typeface="Roboto"/>
+                <a:ea typeface="Roboto"/>
+                <a:cs typeface="Roboto"/>
+                <a:sym typeface="Roboto"/>
+                <a:hlinkClick r:id="rId4"/>
+              </a:rPr>
+              <a:t>Cpu-gpu.svg</a:t>
+            </a:r>
+            <a:r>
+              <a:rPr lang="en-US" sz="1200" dirty="0">
+                <a:latin typeface="Roboto"/>
+                <a:ea typeface="Roboto"/>
+                <a:cs typeface="Roboto"/>
+                <a:sym typeface="Roboto"/>
+              </a:rPr>
+              <a:t> </a:t>
+            </a:r>
+            <a:r>
+              <a:rPr lang="en-US" sz="1200" dirty="0">
+                <a:solidFill>
+                  <a:schemeClr val="tx1"/>
+                </a:solidFill>
+                <a:latin typeface="Roboto"/>
+                <a:ea typeface="Roboto"/>
+                <a:cs typeface="Roboto"/>
+                <a:sym typeface="Roboto"/>
+              </a:rPr>
+              <a:t>by </a:t>
+            </a:r>
+            <a:r>
+              <a:rPr lang="en-US" sz="1200" dirty="0">
+                <a:latin typeface="Roboto"/>
+                <a:ea typeface="Roboto"/>
+                <a:cs typeface="Roboto"/>
+                <a:sym typeface="Roboto"/>
+                <a:hlinkClick r:id="rId5"/>
+              </a:rPr>
+              <a:t>NVIDIA</a:t>
+            </a:r>
+            <a:r>
+              <a:rPr lang="en-US" sz="1200" dirty="0">
+                <a:latin typeface="Roboto"/>
+                <a:ea typeface="Roboto"/>
+                <a:cs typeface="Roboto"/>
+                <a:sym typeface="Roboto"/>
+              </a:rPr>
+              <a:t> </a:t>
+            </a:r>
+            <a:r>
+              <a:rPr lang="en-US" sz="1200" dirty="0">
+                <a:solidFill>
+                  <a:schemeClr val="tx1"/>
+                </a:solidFill>
+                <a:latin typeface="Roboto"/>
+                <a:ea typeface="Roboto"/>
+                <a:cs typeface="Roboto"/>
+                <a:sym typeface="Roboto"/>
+              </a:rPr>
+              <a:t>is licensed under</a:t>
+            </a:r>
+            <a:r>
+              <a:rPr lang="en-US" sz="1200" dirty="0">
+                <a:latin typeface="Roboto"/>
+                <a:ea typeface="Roboto"/>
+                <a:cs typeface="Roboto"/>
+                <a:sym typeface="Roboto"/>
+              </a:rPr>
+              <a:t> </a:t>
+            </a:r>
+            <a:r>
+              <a:rPr lang="en-US" sz="1200" dirty="0">
+                <a:hlinkClick r:id="rId6"/>
+              </a:rPr>
+              <a:t>CC-BY-3.0</a:t>
+            </a:r>
+            <a:endParaRPr lang="en-US" sz="1200" dirty="0">
+              <a:latin typeface="Roboto"/>
+              <a:ea typeface="Roboto"/>
+              <a:cs typeface="Roboto"/>
+              <a:sym typeface="Roboto"/>
+            </a:endParaRPr>
+          </a:p>
+        </p:txBody>
+      </p:sp>
+      <p:pic>
+        <p:nvPicPr>
+          <p:cNvPr id="10" name="Picture 9">
+            <a:extLst>
+              <a:ext uri="{FF2B5EF4-FFF2-40B4-BE49-F238E27FC236}">
+                <a16:creationId xmlns:a16="http://schemas.microsoft.com/office/drawing/2014/main" id="{A960E652-F922-4953-B1C7-B0C3183D13DA}"/>
+              </a:ext>
+            </a:extLst>
+          </p:cNvPr>
+          <p:cNvPicPr>
+            <a:picLocks noChangeAspect="1"/>
+          </p:cNvPicPr>
+          <p:nvPr/>
+        </p:nvPicPr>
+        <p:blipFill>
+          <a:blip r:embed="rId7"/>
+          <a:stretch>
+            <a:fillRect/>
+          </a:stretch>
+        </p:blipFill>
+        <p:spPr>
+          <a:xfrm>
+            <a:off x="5430122" y="3869070"/>
+            <a:ext cx="3316686" cy="1252049"/>
+          </a:xfrm>
+          <a:prstGeom prst="rect">
+            <a:avLst/>
+          </a:prstGeom>
+        </p:spPr>
+      </p:pic>
     </p:spTree>
   </p:cSld>
   <p:clrMapOvr>
@@ -17791,34 +18276,6 @@
           <a:chExt cx="0" cy="0"/>
         </a:xfrm>
       </p:grpSpPr>
-      <p:pic>
-        <p:nvPicPr>
-          <p:cNvPr id="307" name="Google Shape;307;p36"/>
-          <p:cNvPicPr preferRelativeResize="0"/>
-          <p:nvPr/>
-        </p:nvPicPr>
-        <p:blipFill>
-          <a:blip r:embed="rId3">
-            <a:alphaModFix/>
-          </a:blip>
-          <a:stretch>
-            <a:fillRect/>
-          </a:stretch>
-        </p:blipFill>
-        <p:spPr>
-          <a:xfrm>
-            <a:off x="6641225" y="3865824"/>
-            <a:ext cx="2050175" cy="1123776"/>
-          </a:xfrm>
-          <a:prstGeom prst="rect">
-            <a:avLst/>
-          </a:prstGeom>
-          <a:noFill/>
-          <a:ln>
-            <a:noFill/>
-          </a:ln>
-        </p:spPr>
-      </p:pic>
       <p:sp>
         <p:nvSpPr>
           <p:cNvPr id="308" name="Google Shape;308;p36"/>
@@ -18053,7 +18510,7 @@
           <p:nvPr/>
         </p:nvPicPr>
         <p:blipFill>
-          <a:blip r:embed="rId4">
+          <a:blip r:embed="rId3">
             <a:alphaModFix/>
           </a:blip>
           <a:stretch>
@@ -18118,6 +18575,166 @@
           </a:p>
         </p:txBody>
       </p:sp>
+      <p:sp>
+        <p:nvSpPr>
+          <p:cNvPr id="11" name="Google Shape;272;p32">
+            <a:extLst>
+              <a:ext uri="{FF2B5EF4-FFF2-40B4-BE49-F238E27FC236}">
+                <a16:creationId xmlns:a16="http://schemas.microsoft.com/office/drawing/2014/main" id="{EF685BE9-172B-43CA-AC4C-EA2760688677}"/>
+              </a:ext>
+            </a:extLst>
+          </p:cNvPr>
+          <p:cNvSpPr txBox="1"/>
+          <p:nvPr/>
+        </p:nvSpPr>
+        <p:spPr>
+          <a:xfrm>
+            <a:off x="2949434" y="4409621"/>
+            <a:ext cx="2721263" cy="647196"/>
+          </a:xfrm>
+          <a:prstGeom prst="rect">
+            <a:avLst/>
+          </a:prstGeom>
+          <a:noFill/>
+          <a:ln>
+            <a:noFill/>
+          </a:ln>
+        </p:spPr>
+        <p:txBody>
+          <a:bodyPr spcFirstLastPara="1" wrap="square" lIns="91425" tIns="91425" rIns="91425" bIns="91425" anchor="t" anchorCtr="0">
+            <a:noAutofit/>
+          </a:bodyPr>
+          <a:lstStyle/>
+          <a:p>
+            <a:pPr lvl="0"/>
+            <a:r>
+              <a:rPr lang="en-US" sz="1200" dirty="0">
+                <a:solidFill>
+                  <a:schemeClr val="tx1"/>
+                </a:solidFill>
+                <a:latin typeface="Roboto"/>
+                <a:ea typeface="Roboto"/>
+                <a:cs typeface="Roboto"/>
+                <a:sym typeface="Roboto"/>
+              </a:rPr>
+              <a:t>Image: </a:t>
+            </a:r>
+            <a:r>
+              <a:rPr lang="en-US" sz="1200" dirty="0" err="1">
+                <a:latin typeface="Roboto"/>
+                <a:ea typeface="Roboto"/>
+                <a:cs typeface="Roboto"/>
+                <a:sym typeface="Roboto"/>
+                <a:hlinkClick r:id="rId4"/>
+              </a:rPr>
+              <a:t>Cpu-gpu.svg</a:t>
+            </a:r>
+            <a:r>
+              <a:rPr lang="en-US" sz="1200" dirty="0">
+                <a:latin typeface="Roboto"/>
+                <a:ea typeface="Roboto"/>
+                <a:cs typeface="Roboto"/>
+                <a:sym typeface="Roboto"/>
+              </a:rPr>
+              <a:t> </a:t>
+            </a:r>
+            <a:r>
+              <a:rPr lang="en-US" sz="1200" dirty="0">
+                <a:solidFill>
+                  <a:schemeClr val="tx1"/>
+                </a:solidFill>
+                <a:latin typeface="Roboto"/>
+                <a:ea typeface="Roboto"/>
+                <a:cs typeface="Roboto"/>
+                <a:sym typeface="Roboto"/>
+              </a:rPr>
+              <a:t>by </a:t>
+            </a:r>
+            <a:r>
+              <a:rPr lang="en-US" sz="1200" dirty="0">
+                <a:latin typeface="Roboto"/>
+                <a:ea typeface="Roboto"/>
+                <a:cs typeface="Roboto"/>
+                <a:sym typeface="Roboto"/>
+                <a:hlinkClick r:id="rId5"/>
+              </a:rPr>
+              <a:t>NVIDIA</a:t>
+            </a:r>
+            <a:r>
+              <a:rPr lang="en-US" sz="1200" dirty="0">
+                <a:latin typeface="Roboto"/>
+                <a:ea typeface="Roboto"/>
+                <a:cs typeface="Roboto"/>
+                <a:sym typeface="Roboto"/>
+              </a:rPr>
+              <a:t> </a:t>
+            </a:r>
+            <a:r>
+              <a:rPr lang="en-US" sz="1200" dirty="0">
+                <a:solidFill>
+                  <a:schemeClr val="tx1"/>
+                </a:solidFill>
+                <a:latin typeface="Roboto"/>
+                <a:ea typeface="Roboto"/>
+                <a:cs typeface="Roboto"/>
+                <a:sym typeface="Roboto"/>
+              </a:rPr>
+              <a:t>is licensed under</a:t>
+            </a:r>
+            <a:r>
+              <a:rPr lang="en-US" sz="1200" dirty="0">
+                <a:latin typeface="Roboto"/>
+                <a:ea typeface="Roboto"/>
+                <a:cs typeface="Roboto"/>
+                <a:sym typeface="Roboto"/>
+              </a:rPr>
+              <a:t> </a:t>
+            </a:r>
+            <a:r>
+              <a:rPr lang="en-US" sz="1200" dirty="0">
+                <a:hlinkClick r:id="rId6"/>
+              </a:rPr>
+              <a:t>CC-BY-3.0</a:t>
+            </a:r>
+            <a:endParaRPr lang="en-US" sz="1200" dirty="0">
+              <a:latin typeface="Roboto"/>
+              <a:ea typeface="Roboto"/>
+              <a:cs typeface="Roboto"/>
+              <a:sym typeface="Roboto"/>
+            </a:endParaRPr>
+          </a:p>
+        </p:txBody>
+      </p:sp>
+      <p:pic>
+        <p:nvPicPr>
+          <p:cNvPr id="12" name="Picture 11">
+            <a:extLst>
+              <a:ext uri="{FF2B5EF4-FFF2-40B4-BE49-F238E27FC236}">
+                <a16:creationId xmlns:a16="http://schemas.microsoft.com/office/drawing/2014/main" id="{7CDD2547-113F-4C38-899B-C03E90ED0107}"/>
+              </a:ext>
+            </a:extLst>
+          </p:cNvPr>
+          <p:cNvPicPr>
+            <a:picLocks noChangeAspect="1"/>
+          </p:cNvPicPr>
+          <p:nvPr/>
+        </p:nvPicPr>
+        <p:blipFill>
+          <a:blip r:embed="rId7"/>
+          <a:stretch>
+            <a:fillRect/>
+          </a:stretch>
+        </p:blipFill>
+        <p:spPr>
+          <a:xfrm>
+            <a:off x="5430122" y="3869070"/>
+            <a:ext cx="3316686" cy="1252049"/>
+          </a:xfrm>
+          <a:prstGeom prst="rect">
+            <a:avLst/>
+          </a:prstGeom>
+        </p:spPr>
+      </p:pic>
     </p:spTree>
   </p:cSld>
   <p:clrMapOvr>
@@ -18143,34 +18760,6 @@
           <a:chExt cx="0" cy="0"/>
         </a:xfrm>
       </p:grpSpPr>
-      <p:pic>
-        <p:nvPicPr>
-          <p:cNvPr id="318" name="Google Shape;318;p37"/>
-          <p:cNvPicPr preferRelativeResize="0"/>
-          <p:nvPr/>
-        </p:nvPicPr>
-        <p:blipFill>
-          <a:blip r:embed="rId3">
-            <a:alphaModFix/>
-          </a:blip>
-          <a:stretch>
-            <a:fillRect/>
-          </a:stretch>
-        </p:blipFill>
-        <p:spPr>
-          <a:xfrm>
-            <a:off x="6641225" y="3865824"/>
-            <a:ext cx="2050175" cy="1123776"/>
-          </a:xfrm>
-          <a:prstGeom prst="rect">
-            <a:avLst/>
-          </a:prstGeom>
-          <a:noFill/>
-          <a:ln>
-            <a:noFill/>
-          </a:ln>
-        </p:spPr>
-      </p:pic>
       <p:sp>
         <p:nvSpPr>
           <p:cNvPr id="319" name="Google Shape;319;p37"/>
@@ -18445,7 +19034,7 @@
           <p:nvPr/>
         </p:nvPicPr>
         <p:blipFill>
-          <a:blip r:embed="rId4">
+          <a:blip r:embed="rId3">
             <a:alphaModFix/>
           </a:blip>
           <a:stretch>
@@ -18510,6 +19099,166 @@
           </a:p>
         </p:txBody>
       </p:sp>
+      <p:sp>
+        <p:nvSpPr>
+          <p:cNvPr id="9" name="Google Shape;272;p32">
+            <a:extLst>
+              <a:ext uri="{FF2B5EF4-FFF2-40B4-BE49-F238E27FC236}">
+                <a16:creationId xmlns:a16="http://schemas.microsoft.com/office/drawing/2014/main" id="{05607CAB-A00B-4A92-8AEB-FE22EB2B0394}"/>
+              </a:ext>
+            </a:extLst>
+          </p:cNvPr>
+          <p:cNvSpPr txBox="1"/>
+          <p:nvPr/>
+        </p:nvSpPr>
+        <p:spPr>
+          <a:xfrm>
+            <a:off x="2949434" y="4409621"/>
+            <a:ext cx="2721263" cy="647196"/>
+          </a:xfrm>
+          <a:prstGeom prst="rect">
+            <a:avLst/>
+          </a:prstGeom>
+          <a:noFill/>
+          <a:ln>
+            <a:noFill/>
+          </a:ln>
+        </p:spPr>
+        <p:txBody>
+          <a:bodyPr spcFirstLastPara="1" wrap="square" lIns="91425" tIns="91425" rIns="91425" bIns="91425" anchor="t" anchorCtr="0">
+            <a:noAutofit/>
+          </a:bodyPr>
+          <a:lstStyle/>
+          <a:p>
+            <a:pPr lvl="0"/>
+            <a:r>
+              <a:rPr lang="en-US" sz="1200" dirty="0">
+                <a:solidFill>
+                  <a:schemeClr val="tx1"/>
+                </a:solidFill>
+                <a:latin typeface="Roboto"/>
+                <a:ea typeface="Roboto"/>
+                <a:cs typeface="Roboto"/>
+                <a:sym typeface="Roboto"/>
+              </a:rPr>
+              <a:t>Image: </a:t>
+            </a:r>
+            <a:r>
+              <a:rPr lang="en-US" sz="1200" dirty="0" err="1">
+                <a:latin typeface="Roboto"/>
+                <a:ea typeface="Roboto"/>
+                <a:cs typeface="Roboto"/>
+                <a:sym typeface="Roboto"/>
+                <a:hlinkClick r:id="rId4"/>
+              </a:rPr>
+              <a:t>Cpu-gpu.svg</a:t>
+            </a:r>
+            <a:r>
+              <a:rPr lang="en-US" sz="1200" dirty="0">
+                <a:latin typeface="Roboto"/>
+                <a:ea typeface="Roboto"/>
+                <a:cs typeface="Roboto"/>
+                <a:sym typeface="Roboto"/>
+              </a:rPr>
+              <a:t> </a:t>
+            </a:r>
+            <a:r>
+              <a:rPr lang="en-US" sz="1200" dirty="0">
+                <a:solidFill>
+                  <a:schemeClr val="tx1"/>
+                </a:solidFill>
+                <a:latin typeface="Roboto"/>
+                <a:ea typeface="Roboto"/>
+                <a:cs typeface="Roboto"/>
+                <a:sym typeface="Roboto"/>
+              </a:rPr>
+              <a:t>by </a:t>
+            </a:r>
+            <a:r>
+              <a:rPr lang="en-US" sz="1200" dirty="0">
+                <a:latin typeface="Roboto"/>
+                <a:ea typeface="Roboto"/>
+                <a:cs typeface="Roboto"/>
+                <a:sym typeface="Roboto"/>
+                <a:hlinkClick r:id="rId5"/>
+              </a:rPr>
+              <a:t>NVIDIA</a:t>
+            </a:r>
+            <a:r>
+              <a:rPr lang="en-US" sz="1200" dirty="0">
+                <a:latin typeface="Roboto"/>
+                <a:ea typeface="Roboto"/>
+                <a:cs typeface="Roboto"/>
+                <a:sym typeface="Roboto"/>
+              </a:rPr>
+              <a:t> </a:t>
+            </a:r>
+            <a:r>
+              <a:rPr lang="en-US" sz="1200" dirty="0">
+                <a:solidFill>
+                  <a:schemeClr val="tx1"/>
+                </a:solidFill>
+                <a:latin typeface="Roboto"/>
+                <a:ea typeface="Roboto"/>
+                <a:cs typeface="Roboto"/>
+                <a:sym typeface="Roboto"/>
+              </a:rPr>
+              <a:t>is licensed under</a:t>
+            </a:r>
+            <a:r>
+              <a:rPr lang="en-US" sz="1200" dirty="0">
+                <a:latin typeface="Roboto"/>
+                <a:ea typeface="Roboto"/>
+                <a:cs typeface="Roboto"/>
+                <a:sym typeface="Roboto"/>
+              </a:rPr>
+              <a:t> </a:t>
+            </a:r>
+            <a:r>
+              <a:rPr lang="en-US" sz="1200" dirty="0">
+                <a:hlinkClick r:id="rId6"/>
+              </a:rPr>
+              <a:t>CC-BY-3.0</a:t>
+            </a:r>
+            <a:endParaRPr lang="en-US" sz="1200" dirty="0">
+              <a:latin typeface="Roboto"/>
+              <a:ea typeface="Roboto"/>
+              <a:cs typeface="Roboto"/>
+              <a:sym typeface="Roboto"/>
+            </a:endParaRPr>
+          </a:p>
+        </p:txBody>
+      </p:sp>
+      <p:pic>
+        <p:nvPicPr>
+          <p:cNvPr id="10" name="Picture 9">
+            <a:extLst>
+              <a:ext uri="{FF2B5EF4-FFF2-40B4-BE49-F238E27FC236}">
+                <a16:creationId xmlns:a16="http://schemas.microsoft.com/office/drawing/2014/main" id="{22AC658D-988D-4684-9187-95653E6D8B1B}"/>
+              </a:ext>
+            </a:extLst>
+          </p:cNvPr>
+          <p:cNvPicPr>
+            <a:picLocks noChangeAspect="1"/>
+          </p:cNvPicPr>
+          <p:nvPr/>
+        </p:nvPicPr>
+        <p:blipFill>
+          <a:blip r:embed="rId7"/>
+          <a:stretch>
+            <a:fillRect/>
+          </a:stretch>
+        </p:blipFill>
+        <p:spPr>
+          <a:xfrm>
+            <a:off x="5430122" y="3869070"/>
+            <a:ext cx="3316686" cy="1252049"/>
+          </a:xfrm>
+          <a:prstGeom prst="rect">
+            <a:avLst/>
+          </a:prstGeom>
+        </p:spPr>
+      </p:pic>
     </p:spTree>
   </p:cSld>
   <p:clrMapOvr>
@@ -18958,24 +19707,16 @@
           </a:p>
         </p:txBody>
       </p:sp>
-      <p:pic>
-        <p:nvPicPr>
-          <p:cNvPr id="71" name="Google Shape;71;p15"/>
-          <p:cNvPicPr preferRelativeResize="0"/>
+      <p:sp>
+        <p:nvSpPr>
+          <p:cNvPr id="72" name="Google Shape;72;p15"/>
+          <p:cNvSpPr txBox="1"/>
           <p:nvPr/>
-        </p:nvPicPr>
-        <p:blipFill>
-          <a:blip r:embed="rId3">
-            <a:alphaModFix/>
-          </a:blip>
-          <a:stretch>
-            <a:fillRect/>
-          </a:stretch>
-        </p:blipFill>
-        <p:spPr>
-          <a:xfrm>
-            <a:off x="4724400" y="1170125"/>
-            <a:ext cx="4267202" cy="2377398"/>
+        </p:nvSpPr>
+        <p:spPr>
+          <a:xfrm>
+            <a:off x="5003960" y="3699925"/>
+            <a:ext cx="3742848" cy="332400"/>
           </a:xfrm>
           <a:prstGeom prst="rect">
             <a:avLst/>
@@ -18985,26 +19726,6 @@
             <a:noFill/>
           </a:ln>
         </p:spPr>
-      </p:pic>
-      <p:sp>
-        <p:nvSpPr>
-          <p:cNvPr id="72" name="Google Shape;72;p15"/>
-          <p:cNvSpPr txBox="1"/>
-          <p:nvPr/>
-        </p:nvSpPr>
-        <p:spPr>
-          <a:xfrm>
-            <a:off x="4724400" y="3699925"/>
-            <a:ext cx="4107900" cy="332400"/>
-          </a:xfrm>
-          <a:prstGeom prst="rect">
-            <a:avLst/>
-          </a:prstGeom>
-          <a:noFill/>
-          <a:ln>
-            <a:noFill/>
-          </a:ln>
-        </p:spPr>
         <p:txBody>
           <a:bodyPr spcFirstLastPara="1" wrap="square" lIns="91425" tIns="91425" rIns="91425" bIns="91425" anchor="t" anchorCtr="0">
             <a:noAutofit/>
@@ -19021,14 +19742,23 @@
               <a:buNone/>
             </a:pPr>
             <a:r>
-              <a:rPr lang="en" sz="700">
+              <a:rPr lang="en" sz="1200" dirty="0">
+                <a:solidFill>
+                  <a:srgbClr val="FFFFFF"/>
+                </a:solidFill>
+                <a:hlinkClick r:id="rId3"/>
+              </a:rPr>
+              <a:t>Nvidia Gtx Founders Edition </a:t>
+            </a:r>
+            <a:r>
+              <a:rPr lang="en" sz="1200" dirty="0">
                 <a:solidFill>
                   <a:srgbClr val="FFFFFF"/>
                 </a:solidFill>
               </a:rPr>
-              <a:t>https://cdn.wccftech.com/wp-content/uploads/2013/08/NVIDIA-Game-Technology-Leadership.png</a:t>
-            </a:r>
-            <a:endParaRPr sz="700">
+              <a:t>is in the public domain</a:t>
+            </a:r>
+            <a:endParaRPr sz="1200" dirty="0">
               <a:solidFill>
                 <a:srgbClr val="FFFFFF"/>
               </a:solidFill>
@@ -19078,6 +19808,36 @@
           </a:p>
         </p:txBody>
       </p:sp>
+      <p:pic>
+        <p:nvPicPr>
+          <p:cNvPr id="4" name="Picture 3" descr="A picture containing electronics&#10;&#10;Description automatically generated">
+            <a:extLst>
+              <a:ext uri="{FF2B5EF4-FFF2-40B4-BE49-F238E27FC236}">
+                <a16:creationId xmlns:a16="http://schemas.microsoft.com/office/drawing/2014/main" id="{49ADE592-9DBE-4A6F-88E3-64D2073729DC}"/>
+              </a:ext>
+            </a:extLst>
+          </p:cNvPr>
+          <p:cNvPicPr>
+            <a:picLocks noChangeAspect="1"/>
+          </p:cNvPicPr>
+          <p:nvPr/>
+        </p:nvPicPr>
+        <p:blipFill>
+          <a:blip r:embed="rId4"/>
+          <a:stretch>
+            <a:fillRect/>
+          </a:stretch>
+        </p:blipFill>
+        <p:spPr>
+          <a:xfrm>
+            <a:off x="5263825" y="1270689"/>
+            <a:ext cx="2926080" cy="2176272"/>
+          </a:xfrm>
+          <a:prstGeom prst="rect">
+            <a:avLst/>
+          </a:prstGeom>
+        </p:spPr>
+      </p:pic>
     </p:spTree>
   </p:cSld>
   <p:clrMapOvr>
@@ -19181,10 +19941,10 @@
               <a:buChar char="●"/>
             </a:pPr>
             <a:r>
-              <a:rPr lang="en"/>
+              <a:rPr lang="en" dirty="0"/>
               <a:t>General Purpose Graphics Programming Unit</a:t>
             </a:r>
-            <a:endParaRPr/>
+            <a:endParaRPr dirty="0"/>
           </a:p>
           <a:p>
             <a:pPr marL="914400" lvl="1" indent="-317500" algn="l" rtl="0">
@@ -19198,10 +19958,10 @@
               <a:buChar char="○"/>
             </a:pPr>
             <a:r>
-              <a:rPr lang="en"/>
+              <a:rPr lang="en" dirty="0"/>
               <a:t>This is the term given to a more rich programming interface on GPUs</a:t>
             </a:r>
-            <a:endParaRPr/>
+            <a:endParaRPr dirty="0"/>
           </a:p>
           <a:p>
             <a:pPr marL="457200" lvl="0" indent="-342900" algn="l" rtl="0">
@@ -19215,10 +19975,10 @@
               <a:buChar char="●"/>
             </a:pPr>
             <a:r>
-              <a:rPr lang="en"/>
+              <a:rPr lang="en" dirty="0"/>
               <a:t>NVIDIA’s CUDA API is one such Application Programming Interface (API) that allows us to write C programs on our GPU</a:t>
             </a:r>
-            <a:endParaRPr/>
+            <a:endParaRPr dirty="0"/>
           </a:p>
           <a:p>
             <a:pPr marL="914400" lvl="1" indent="-317500" algn="l" rtl="0">
@@ -19232,7 +19992,7 @@
               <a:buChar char="○"/>
             </a:pPr>
             <a:r>
-              <a:rPr lang="en" sz="1100" u="sng">
+              <a:rPr lang="en" sz="1100" u="sng" dirty="0">
                 <a:solidFill>
                   <a:schemeClr val="hlink"/>
                 </a:solidFill>
@@ -19244,7 +20004,7 @@
               </a:rPr>
               <a:t>https://en.wikipedia.org/wiki/CUDA#Programming_abilities</a:t>
             </a:r>
-            <a:endParaRPr/>
+            <a:endParaRPr dirty="0"/>
           </a:p>
           <a:p>
             <a:pPr marL="914400" lvl="1" indent="-317500" algn="l" rtl="0">
@@ -19258,10 +20018,10 @@
               <a:buChar char="○"/>
             </a:pPr>
             <a:r>
-              <a:rPr lang="en"/>
+              <a:rPr lang="en" dirty="0"/>
               <a:t>Before CUDA, we were very limited in how expressive of programs we could write on GPUs--again, primarily applications that handled graphics workloads</a:t>
             </a:r>
-            <a:endParaRPr/>
+            <a:endParaRPr dirty="0"/>
           </a:p>
         </p:txBody>
       </p:sp>
@@ -19318,27 +20078,101 @@
           </a:bodyPr>
           <a:lstStyle/>
           <a:p>
-            <a:pPr marL="0" lvl="0" indent="0" algn="l" rtl="0">
-              <a:spcBef>
-                <a:spcPts val="0"/>
-              </a:spcBef>
-              <a:spcAft>
-                <a:spcPts val="0"/>
-              </a:spcAft>
-              <a:buNone/>
-            </a:pPr>
-            <a:r>
-              <a:rPr lang="en" sz="800">
+            <a:pPr lvl="0"/>
+            <a:r>
+              <a:rPr lang="en-US" sz="1200" dirty="0">
                 <a:solidFill>
-                  <a:srgbClr val="FFFFFF"/>
+                  <a:schemeClr val="tx1"/>
                 </a:solidFill>
+                <a:latin typeface="Roboto"/>
+                <a:ea typeface="Roboto"/>
+                <a:cs typeface="Roboto"/>
+                <a:sym typeface="Roboto"/>
               </a:rPr>
-              <a:t>https://upload.wikimedia.org/wikipedia/en/b/b9/Nvidia_CUDA_Logo.jpg</a:t>
-            </a:r>
-            <a:endParaRPr sz="800">
-              <a:solidFill>
-                <a:srgbClr val="FFFFFF"/>
-              </a:solidFill>
+              <a:t>Image: </a:t>
+            </a:r>
+            <a:r>
+              <a:rPr lang="en-US" sz="1200" dirty="0">
+                <a:latin typeface="Roboto"/>
+                <a:ea typeface="Roboto"/>
+                <a:cs typeface="Roboto"/>
+                <a:sym typeface="Roboto"/>
+                <a:hlinkClick r:id="rId5"/>
+              </a:rPr>
+              <a:t>CUDA.png</a:t>
+            </a:r>
+            <a:r>
+              <a:rPr lang="en-US" sz="1200" dirty="0">
+                <a:latin typeface="Roboto"/>
+                <a:ea typeface="Roboto"/>
+                <a:cs typeface="Roboto"/>
+                <a:sym typeface="Roboto"/>
+              </a:rPr>
+              <a:t> </a:t>
+            </a:r>
+            <a:r>
+              <a:rPr lang="en-US" sz="1200" dirty="0">
+                <a:solidFill>
+                  <a:schemeClr val="tx1"/>
+                </a:solidFill>
+                <a:latin typeface="Roboto"/>
+                <a:ea typeface="Roboto"/>
+                <a:cs typeface="Roboto"/>
+                <a:sym typeface="Roboto"/>
+              </a:rPr>
+              <a:t>by </a:t>
+            </a:r>
+            <a:r>
+              <a:rPr lang="en-US" sz="1200" dirty="0" err="1">
+                <a:latin typeface="Roboto"/>
+                <a:ea typeface="Roboto"/>
+                <a:cs typeface="Roboto"/>
+                <a:sym typeface="Roboto"/>
+                <a:hlinkClick r:id="rId6"/>
+              </a:rPr>
+              <a:t>KhameneiSoldiers</a:t>
+            </a:r>
+            <a:r>
+              <a:rPr lang="en-US" sz="1200" dirty="0">
+                <a:latin typeface="Roboto"/>
+                <a:ea typeface="Roboto"/>
+                <a:cs typeface="Roboto"/>
+                <a:sym typeface="Roboto"/>
+              </a:rPr>
+              <a:t> </a:t>
+            </a:r>
+            <a:r>
+              <a:rPr lang="en-US" sz="1200" dirty="0">
+                <a:solidFill>
+                  <a:schemeClr val="tx1"/>
+                </a:solidFill>
+                <a:latin typeface="Roboto"/>
+                <a:ea typeface="Roboto"/>
+                <a:cs typeface="Roboto"/>
+                <a:sym typeface="Roboto"/>
+              </a:rPr>
+              <a:t>is licensed under</a:t>
+            </a:r>
+            <a:r>
+              <a:rPr lang="en-US" sz="1200" dirty="0">
+                <a:latin typeface="Roboto"/>
+                <a:ea typeface="Roboto"/>
+                <a:cs typeface="Roboto"/>
+                <a:sym typeface="Roboto"/>
+              </a:rPr>
+              <a:t> </a:t>
+            </a:r>
+            <a:r>
+              <a:rPr lang="en-US" sz="1200" dirty="0">
+                <a:hlinkClick r:id="rId7"/>
+              </a:rPr>
+              <a:t>CC-BY-SA-4.0</a:t>
+            </a:r>
+            <a:endParaRPr lang="en-US" sz="1200" dirty="0">
+              <a:latin typeface="Roboto"/>
+              <a:ea typeface="Roboto"/>
+              <a:cs typeface="Roboto"/>
+              <a:sym typeface="Roboto"/>
             </a:endParaRPr>
           </a:p>
         </p:txBody>
@@ -19700,27 +20534,101 @@
           </a:bodyPr>
           <a:lstStyle/>
           <a:p>
-            <a:pPr marL="0" lvl="0" indent="0" algn="l" rtl="0">
-              <a:spcBef>
-                <a:spcPts val="0"/>
-              </a:spcBef>
-              <a:spcAft>
-                <a:spcPts val="0"/>
-              </a:spcAft>
-              <a:buNone/>
-            </a:pPr>
-            <a:r>
-              <a:rPr lang="en" sz="800">
+            <a:pPr lvl="0"/>
+            <a:r>
+              <a:rPr lang="en-US" sz="800" dirty="0">
                 <a:solidFill>
-                  <a:srgbClr val="FFFFFF"/>
+                  <a:schemeClr val="tx1"/>
                 </a:solidFill>
+                <a:latin typeface="Roboto"/>
+                <a:ea typeface="Roboto"/>
+                <a:cs typeface="Roboto"/>
+                <a:sym typeface="Roboto"/>
               </a:rPr>
-              <a:t>https://upload.wikimedia.org/wikipedia/en/b/b9/Nvidia_CUDA_Logo.jpg</a:t>
-            </a:r>
-            <a:endParaRPr sz="800">
-              <a:solidFill>
-                <a:srgbClr val="FFFFFF"/>
-              </a:solidFill>
+              <a:t>Image: </a:t>
+            </a:r>
+            <a:r>
+              <a:rPr lang="en-US" sz="800" dirty="0">
+                <a:latin typeface="Roboto"/>
+                <a:ea typeface="Roboto"/>
+                <a:cs typeface="Roboto"/>
+                <a:sym typeface="Roboto"/>
+                <a:hlinkClick r:id="rId5"/>
+              </a:rPr>
+              <a:t>CUDA.png</a:t>
+            </a:r>
+            <a:r>
+              <a:rPr lang="en-US" sz="800" dirty="0">
+                <a:latin typeface="Roboto"/>
+                <a:ea typeface="Roboto"/>
+                <a:cs typeface="Roboto"/>
+                <a:sym typeface="Roboto"/>
+              </a:rPr>
+              <a:t> </a:t>
+            </a:r>
+            <a:r>
+              <a:rPr lang="en-US" sz="800" dirty="0">
+                <a:solidFill>
+                  <a:schemeClr val="tx1"/>
+                </a:solidFill>
+                <a:latin typeface="Roboto"/>
+                <a:ea typeface="Roboto"/>
+                <a:cs typeface="Roboto"/>
+                <a:sym typeface="Roboto"/>
+              </a:rPr>
+              <a:t>by </a:t>
+            </a:r>
+            <a:r>
+              <a:rPr lang="en-US" sz="800" dirty="0" err="1">
+                <a:latin typeface="Roboto"/>
+                <a:ea typeface="Roboto"/>
+                <a:cs typeface="Roboto"/>
+                <a:sym typeface="Roboto"/>
+                <a:hlinkClick r:id="rId6"/>
+              </a:rPr>
+              <a:t>KhameneiSoldiers</a:t>
+            </a:r>
+            <a:r>
+              <a:rPr lang="en-US" sz="800" dirty="0">
+                <a:latin typeface="Roboto"/>
+                <a:ea typeface="Roboto"/>
+                <a:cs typeface="Roboto"/>
+                <a:sym typeface="Roboto"/>
+              </a:rPr>
+              <a:t> </a:t>
+            </a:r>
+            <a:r>
+              <a:rPr lang="en-US" sz="800" dirty="0">
+                <a:solidFill>
+                  <a:schemeClr val="tx1"/>
+                </a:solidFill>
+                <a:latin typeface="Roboto"/>
+                <a:ea typeface="Roboto"/>
+                <a:cs typeface="Roboto"/>
+                <a:sym typeface="Roboto"/>
+              </a:rPr>
+              <a:t>is licensed under</a:t>
+            </a:r>
+            <a:r>
+              <a:rPr lang="en-US" sz="800" dirty="0">
+                <a:latin typeface="Roboto"/>
+                <a:ea typeface="Roboto"/>
+                <a:cs typeface="Roboto"/>
+                <a:sym typeface="Roboto"/>
+              </a:rPr>
+              <a:t> </a:t>
+            </a:r>
+            <a:r>
+              <a:rPr lang="en-US" sz="800" dirty="0">
+                <a:hlinkClick r:id="rId7"/>
+              </a:rPr>
+              <a:t>CC-BY-SA-4.0</a:t>
+            </a:r>
+            <a:endParaRPr lang="en-US" sz="800" dirty="0">
+              <a:latin typeface="Roboto"/>
+              <a:ea typeface="Roboto"/>
+              <a:cs typeface="Roboto"/>
+              <a:sym typeface="Roboto"/>
             </a:endParaRPr>
           </a:p>
         </p:txBody>
